--- a/docs/presentation/Drug Discovery and Design.pptx
+++ b/docs/presentation/Drug Discovery and Design.pptx
@@ -4,8 +4,23 @@
   <p:sldMasterIdLst>
     <p:sldMasterId id="2147483648" r:id="rId1"/>
   </p:sldMasterIdLst>
+  <p:notesMasterIdLst>
+    <p:notesMasterId r:id="rId15"/>
+  </p:notesMasterIdLst>
   <p:sldIdLst>
     <p:sldId id="256" r:id="rId2"/>
+    <p:sldId id="267" r:id="rId3"/>
+    <p:sldId id="257" r:id="rId4"/>
+    <p:sldId id="266" r:id="rId5"/>
+    <p:sldId id="258" r:id="rId6"/>
+    <p:sldId id="268" r:id="rId7"/>
+    <p:sldId id="259" r:id="rId8"/>
+    <p:sldId id="260" r:id="rId9"/>
+    <p:sldId id="261" r:id="rId10"/>
+    <p:sldId id="262" r:id="rId11"/>
+    <p:sldId id="263" r:id="rId12"/>
+    <p:sldId id="264" r:id="rId13"/>
+    <p:sldId id="265" r:id="rId14"/>
   </p:sldIdLst>
   <p:sldSz cx="12192000" cy="6858000"/>
   <p:notesSz cx="6858000" cy="9144000"/>
@@ -105,6 +120,800 @@
     </a:lvl9pPr>
   </p:defaultTextStyle>
 </p:presentation>
+</file>
+
+<file path=ppt/notesMasters/notesMaster1.xml><?xml version="1.0" encoding="utf-8"?>
+<p:notesMaster xmlns:a="http://schemas.openxmlformats.org/drawingml/2006/main" xmlns:r="http://schemas.openxmlformats.org/officeDocument/2006/relationships" xmlns:p="http://schemas.openxmlformats.org/presentationml/2006/main">
+  <p:cSld>
+    <p:bg>
+      <p:bgRef idx="1001">
+        <a:schemeClr val="bg1"/>
+      </p:bgRef>
+    </p:bg>
+    <p:spTree>
+      <p:nvGrpSpPr>
+        <p:cNvPr id="1" name=""/>
+        <p:cNvGrpSpPr/>
+        <p:nvPr/>
+      </p:nvGrpSpPr>
+      <p:grpSpPr>
+        <a:xfrm>
+          <a:off x="0" y="0"/>
+          <a:ext cx="0" cy="0"/>
+          <a:chOff x="0" y="0"/>
+          <a:chExt cx="0" cy="0"/>
+        </a:xfrm>
+      </p:grpSpPr>
+      <p:sp>
+        <p:nvSpPr>
+          <p:cNvPr id="2" name="Header Placeholder 1"/>
+          <p:cNvSpPr>
+            <a:spLocks noGrp="1"/>
+          </p:cNvSpPr>
+          <p:nvPr>
+            <p:ph type="hdr" sz="quarter"/>
+          </p:nvPr>
+        </p:nvSpPr>
+        <p:spPr>
+          <a:xfrm>
+            <a:off x="0" y="0"/>
+            <a:ext cx="2971800" cy="458788"/>
+          </a:xfrm>
+          <a:prstGeom prst="rect">
+            <a:avLst/>
+          </a:prstGeom>
+        </p:spPr>
+        <p:txBody>
+          <a:bodyPr vert="horz" lIns="91440" tIns="45720" rIns="91440" bIns="45720" rtlCol="0"/>
+          <a:lstStyle>
+            <a:lvl1pPr algn="l">
+              <a:defRPr sz="1200"/>
+            </a:lvl1pPr>
+          </a:lstStyle>
+          <a:p>
+            <a:endParaRPr lang="en-US"/>
+          </a:p>
+        </p:txBody>
+      </p:sp>
+      <p:sp>
+        <p:nvSpPr>
+          <p:cNvPr id="3" name="Date Placeholder 2"/>
+          <p:cNvSpPr>
+            <a:spLocks noGrp="1"/>
+          </p:cNvSpPr>
+          <p:nvPr>
+            <p:ph type="dt" idx="1"/>
+          </p:nvPr>
+        </p:nvSpPr>
+        <p:spPr>
+          <a:xfrm>
+            <a:off x="3884613" y="0"/>
+            <a:ext cx="2971800" cy="458788"/>
+          </a:xfrm>
+          <a:prstGeom prst="rect">
+            <a:avLst/>
+          </a:prstGeom>
+        </p:spPr>
+        <p:txBody>
+          <a:bodyPr vert="horz" lIns="91440" tIns="45720" rIns="91440" bIns="45720" rtlCol="0"/>
+          <a:lstStyle>
+            <a:lvl1pPr algn="r">
+              <a:defRPr sz="1200"/>
+            </a:lvl1pPr>
+          </a:lstStyle>
+          <a:p>
+            <a:fld id="{E50074FF-88D7-4649-86BE-210F10C57590}" type="datetimeFigureOut">
+              <a:rPr lang="en-US" smtClean="0"/>
+              <a:t>3/28/23</a:t>
+            </a:fld>
+            <a:endParaRPr lang="en-US"/>
+          </a:p>
+        </p:txBody>
+      </p:sp>
+      <p:sp>
+        <p:nvSpPr>
+          <p:cNvPr id="4" name="Slide Image Placeholder 3"/>
+          <p:cNvSpPr>
+            <a:spLocks noGrp="1" noRot="1" noChangeAspect="1"/>
+          </p:cNvSpPr>
+          <p:nvPr>
+            <p:ph type="sldImg" idx="2"/>
+          </p:nvPr>
+        </p:nvSpPr>
+        <p:spPr>
+          <a:xfrm>
+            <a:off x="685800" y="1143000"/>
+            <a:ext cx="5486400" cy="3086100"/>
+          </a:xfrm>
+          <a:prstGeom prst="rect">
+            <a:avLst/>
+          </a:prstGeom>
+          <a:noFill/>
+          <a:ln w="12700">
+            <a:solidFill>
+              <a:prstClr val="black"/>
+            </a:solidFill>
+          </a:ln>
+        </p:spPr>
+        <p:txBody>
+          <a:bodyPr vert="horz" lIns="91440" tIns="45720" rIns="91440" bIns="45720" rtlCol="0" anchor="ctr"/>
+          <a:lstStyle/>
+          <a:p>
+            <a:endParaRPr lang="en-US"/>
+          </a:p>
+        </p:txBody>
+      </p:sp>
+      <p:sp>
+        <p:nvSpPr>
+          <p:cNvPr id="5" name="Notes Placeholder 4"/>
+          <p:cNvSpPr>
+            <a:spLocks noGrp="1"/>
+          </p:cNvSpPr>
+          <p:nvPr>
+            <p:ph type="body" sz="quarter" idx="3"/>
+          </p:nvPr>
+        </p:nvSpPr>
+        <p:spPr>
+          <a:xfrm>
+            <a:off x="685800" y="4400550"/>
+            <a:ext cx="5486400" cy="3600450"/>
+          </a:xfrm>
+          <a:prstGeom prst="rect">
+            <a:avLst/>
+          </a:prstGeom>
+        </p:spPr>
+        <p:txBody>
+          <a:bodyPr vert="horz" lIns="91440" tIns="45720" rIns="91440" bIns="45720" rtlCol="0"/>
+          <a:lstStyle/>
+          <a:p>
+            <a:pPr lvl="0"/>
+            <a:r>
+              <a:rPr lang="en-US"/>
+              <a:t>Edit Master text styles</a:t>
+            </a:r>
+          </a:p>
+          <a:p>
+            <a:pPr lvl="1"/>
+            <a:r>
+              <a:rPr lang="en-US"/>
+              <a:t>Second level</a:t>
+            </a:r>
+          </a:p>
+          <a:p>
+            <a:pPr lvl="2"/>
+            <a:r>
+              <a:rPr lang="en-US"/>
+              <a:t>Third level</a:t>
+            </a:r>
+          </a:p>
+          <a:p>
+            <a:pPr lvl="3"/>
+            <a:r>
+              <a:rPr lang="en-US"/>
+              <a:t>Fourth level</a:t>
+            </a:r>
+          </a:p>
+          <a:p>
+            <a:pPr lvl="4"/>
+            <a:r>
+              <a:rPr lang="en-US"/>
+              <a:t>Fifth level</a:t>
+            </a:r>
+          </a:p>
+        </p:txBody>
+      </p:sp>
+      <p:sp>
+        <p:nvSpPr>
+          <p:cNvPr id="6" name="Footer Placeholder 5"/>
+          <p:cNvSpPr>
+            <a:spLocks noGrp="1"/>
+          </p:cNvSpPr>
+          <p:nvPr>
+            <p:ph type="ftr" sz="quarter" idx="4"/>
+          </p:nvPr>
+        </p:nvSpPr>
+        <p:spPr>
+          <a:xfrm>
+            <a:off x="0" y="8685213"/>
+            <a:ext cx="2971800" cy="458787"/>
+          </a:xfrm>
+          <a:prstGeom prst="rect">
+            <a:avLst/>
+          </a:prstGeom>
+        </p:spPr>
+        <p:txBody>
+          <a:bodyPr vert="horz" lIns="91440" tIns="45720" rIns="91440" bIns="45720" rtlCol="0" anchor="b"/>
+          <a:lstStyle>
+            <a:lvl1pPr algn="l">
+              <a:defRPr sz="1200"/>
+            </a:lvl1pPr>
+          </a:lstStyle>
+          <a:p>
+            <a:endParaRPr lang="en-US"/>
+          </a:p>
+        </p:txBody>
+      </p:sp>
+      <p:sp>
+        <p:nvSpPr>
+          <p:cNvPr id="7" name="Slide Number Placeholder 6"/>
+          <p:cNvSpPr>
+            <a:spLocks noGrp="1"/>
+          </p:cNvSpPr>
+          <p:nvPr>
+            <p:ph type="sldNum" sz="quarter" idx="5"/>
+          </p:nvPr>
+        </p:nvSpPr>
+        <p:spPr>
+          <a:xfrm>
+            <a:off x="3884613" y="8685213"/>
+            <a:ext cx="2971800" cy="458787"/>
+          </a:xfrm>
+          <a:prstGeom prst="rect">
+            <a:avLst/>
+          </a:prstGeom>
+        </p:spPr>
+        <p:txBody>
+          <a:bodyPr vert="horz" lIns="91440" tIns="45720" rIns="91440" bIns="45720" rtlCol="0" anchor="b"/>
+          <a:lstStyle>
+            <a:lvl1pPr algn="r">
+              <a:defRPr sz="1200"/>
+            </a:lvl1pPr>
+          </a:lstStyle>
+          <a:p>
+            <a:fld id="{E77301C6-8B3E-B743-BA2C-E5A04546612B}" type="slidenum">
+              <a:rPr lang="en-US" smtClean="0"/>
+              <a:t>‹#›</a:t>
+            </a:fld>
+            <a:endParaRPr lang="en-US"/>
+          </a:p>
+        </p:txBody>
+      </p:sp>
+    </p:spTree>
+    <p:extLst>
+      <p:ext uri="{BB962C8B-B14F-4D97-AF65-F5344CB8AC3E}">
+        <p14:creationId xmlns:p14="http://schemas.microsoft.com/office/powerpoint/2010/main" val="2206492898"/>
+      </p:ext>
+    </p:extLst>
+  </p:cSld>
+  <p:clrMap bg1="lt1" tx1="dk1" bg2="lt2" tx2="dk2" accent1="accent1" accent2="accent2" accent3="accent3" accent4="accent4" accent5="accent5" accent6="accent6" hlink="hlink" folHlink="folHlink"/>
+  <p:notesStyle>
+    <a:lvl1pPr marL="0" algn="l" defTabSz="914400" rtl="0" eaLnBrk="1" latinLnBrk="0" hangingPunct="1">
+      <a:defRPr sz="1200" kern="1200">
+        <a:solidFill>
+          <a:schemeClr val="tx1"/>
+        </a:solidFill>
+        <a:latin typeface="+mn-lt"/>
+        <a:ea typeface="+mn-ea"/>
+        <a:cs typeface="+mn-cs"/>
+      </a:defRPr>
+    </a:lvl1pPr>
+    <a:lvl2pPr marL="457200" algn="l" defTabSz="914400" rtl="0" eaLnBrk="1" latinLnBrk="0" hangingPunct="1">
+      <a:defRPr sz="1200" kern="1200">
+        <a:solidFill>
+          <a:schemeClr val="tx1"/>
+        </a:solidFill>
+        <a:latin typeface="+mn-lt"/>
+        <a:ea typeface="+mn-ea"/>
+        <a:cs typeface="+mn-cs"/>
+      </a:defRPr>
+    </a:lvl2pPr>
+    <a:lvl3pPr marL="914400" algn="l" defTabSz="914400" rtl="0" eaLnBrk="1" latinLnBrk="0" hangingPunct="1">
+      <a:defRPr sz="1200" kern="1200">
+        <a:solidFill>
+          <a:schemeClr val="tx1"/>
+        </a:solidFill>
+        <a:latin typeface="+mn-lt"/>
+        <a:ea typeface="+mn-ea"/>
+        <a:cs typeface="+mn-cs"/>
+      </a:defRPr>
+    </a:lvl3pPr>
+    <a:lvl4pPr marL="1371600" algn="l" defTabSz="914400" rtl="0" eaLnBrk="1" latinLnBrk="0" hangingPunct="1">
+      <a:defRPr sz="1200" kern="1200">
+        <a:solidFill>
+          <a:schemeClr val="tx1"/>
+        </a:solidFill>
+        <a:latin typeface="+mn-lt"/>
+        <a:ea typeface="+mn-ea"/>
+        <a:cs typeface="+mn-cs"/>
+      </a:defRPr>
+    </a:lvl4pPr>
+    <a:lvl5pPr marL="1828800" algn="l" defTabSz="914400" rtl="0" eaLnBrk="1" latinLnBrk="0" hangingPunct="1">
+      <a:defRPr sz="1200" kern="1200">
+        <a:solidFill>
+          <a:schemeClr val="tx1"/>
+        </a:solidFill>
+        <a:latin typeface="+mn-lt"/>
+        <a:ea typeface="+mn-ea"/>
+        <a:cs typeface="+mn-cs"/>
+      </a:defRPr>
+    </a:lvl5pPr>
+    <a:lvl6pPr marL="2286000" algn="l" defTabSz="914400" rtl="0" eaLnBrk="1" latinLnBrk="0" hangingPunct="1">
+      <a:defRPr sz="1200" kern="1200">
+        <a:solidFill>
+          <a:schemeClr val="tx1"/>
+        </a:solidFill>
+        <a:latin typeface="+mn-lt"/>
+        <a:ea typeface="+mn-ea"/>
+        <a:cs typeface="+mn-cs"/>
+      </a:defRPr>
+    </a:lvl6pPr>
+    <a:lvl7pPr marL="2743200" algn="l" defTabSz="914400" rtl="0" eaLnBrk="1" latinLnBrk="0" hangingPunct="1">
+      <a:defRPr sz="1200" kern="1200">
+        <a:solidFill>
+          <a:schemeClr val="tx1"/>
+        </a:solidFill>
+        <a:latin typeface="+mn-lt"/>
+        <a:ea typeface="+mn-ea"/>
+        <a:cs typeface="+mn-cs"/>
+      </a:defRPr>
+    </a:lvl7pPr>
+    <a:lvl8pPr marL="3200400" algn="l" defTabSz="914400" rtl="0" eaLnBrk="1" latinLnBrk="0" hangingPunct="1">
+      <a:defRPr sz="1200" kern="1200">
+        <a:solidFill>
+          <a:schemeClr val="tx1"/>
+        </a:solidFill>
+        <a:latin typeface="+mn-lt"/>
+        <a:ea typeface="+mn-ea"/>
+        <a:cs typeface="+mn-cs"/>
+      </a:defRPr>
+    </a:lvl8pPr>
+    <a:lvl9pPr marL="3657600" algn="l" defTabSz="914400" rtl="0" eaLnBrk="1" latinLnBrk="0" hangingPunct="1">
+      <a:defRPr sz="1200" kern="1200">
+        <a:solidFill>
+          <a:schemeClr val="tx1"/>
+        </a:solidFill>
+        <a:latin typeface="+mn-lt"/>
+        <a:ea typeface="+mn-ea"/>
+        <a:cs typeface="+mn-cs"/>
+      </a:defRPr>
+    </a:lvl9pPr>
+  </p:notesStyle>
+</p:notesMaster>
+</file>
+
+<file path=ppt/notesSlides/notesSlide1.xml><?xml version="1.0" encoding="utf-8"?>
+<p:notes xmlns:a="http://schemas.openxmlformats.org/drawingml/2006/main" xmlns:r="http://schemas.openxmlformats.org/officeDocument/2006/relationships" xmlns:p="http://schemas.openxmlformats.org/presentationml/2006/main">
+  <p:cSld>
+    <p:spTree>
+      <p:nvGrpSpPr>
+        <p:cNvPr id="1" name=""/>
+        <p:cNvGrpSpPr/>
+        <p:nvPr/>
+      </p:nvGrpSpPr>
+      <p:grpSpPr>
+        <a:xfrm>
+          <a:off x="0" y="0"/>
+          <a:ext cx="0" cy="0"/>
+          <a:chOff x="0" y="0"/>
+          <a:chExt cx="0" cy="0"/>
+        </a:xfrm>
+      </p:grpSpPr>
+      <p:sp>
+        <p:nvSpPr>
+          <p:cNvPr id="2" name="Slide Image Placeholder 1"/>
+          <p:cNvSpPr>
+            <a:spLocks noGrp="1" noRot="1" noChangeAspect="1"/>
+          </p:cNvSpPr>
+          <p:nvPr>
+            <p:ph type="sldImg"/>
+          </p:nvPr>
+        </p:nvSpPr>
+        <p:spPr/>
+      </p:sp>
+      <p:sp>
+        <p:nvSpPr>
+          <p:cNvPr id="3" name="Notes Placeholder 2"/>
+          <p:cNvSpPr>
+            <a:spLocks noGrp="1"/>
+          </p:cNvSpPr>
+          <p:nvPr>
+            <p:ph type="body" idx="1"/>
+          </p:nvPr>
+        </p:nvSpPr>
+        <p:spPr/>
+        <p:txBody>
+          <a:bodyPr/>
+          <a:lstStyle/>
+          <a:p>
+            <a:endParaRPr lang="en-US" dirty="0"/>
+          </a:p>
+        </p:txBody>
+      </p:sp>
+      <p:sp>
+        <p:nvSpPr>
+          <p:cNvPr id="4" name="Slide Number Placeholder 3"/>
+          <p:cNvSpPr>
+            <a:spLocks noGrp="1"/>
+          </p:cNvSpPr>
+          <p:nvPr>
+            <p:ph type="sldNum" sz="quarter" idx="5"/>
+          </p:nvPr>
+        </p:nvSpPr>
+        <p:spPr/>
+        <p:txBody>
+          <a:bodyPr/>
+          <a:lstStyle/>
+          <a:p>
+            <a:fld id="{E77301C6-8B3E-B743-BA2C-E5A04546612B}" type="slidenum">
+              <a:rPr lang="en-US" smtClean="0"/>
+              <a:t>2</a:t>
+            </a:fld>
+            <a:endParaRPr lang="en-US"/>
+          </a:p>
+        </p:txBody>
+      </p:sp>
+    </p:spTree>
+    <p:extLst>
+      <p:ext uri="{BB962C8B-B14F-4D97-AF65-F5344CB8AC3E}">
+        <p14:creationId xmlns:p14="http://schemas.microsoft.com/office/powerpoint/2010/main" val="3053122801"/>
+      </p:ext>
+    </p:extLst>
+  </p:cSld>
+  <p:clrMapOvr>
+    <a:masterClrMapping/>
+  </p:clrMapOvr>
+</p:notes>
+</file>
+
+<file path=ppt/notesSlides/notesSlide2.xml><?xml version="1.0" encoding="utf-8"?>
+<p:notes xmlns:a="http://schemas.openxmlformats.org/drawingml/2006/main" xmlns:r="http://schemas.openxmlformats.org/officeDocument/2006/relationships" xmlns:p="http://schemas.openxmlformats.org/presentationml/2006/main">
+  <p:cSld>
+    <p:spTree>
+      <p:nvGrpSpPr>
+        <p:cNvPr id="1" name=""/>
+        <p:cNvGrpSpPr/>
+        <p:nvPr/>
+      </p:nvGrpSpPr>
+      <p:grpSpPr>
+        <a:xfrm>
+          <a:off x="0" y="0"/>
+          <a:ext cx="0" cy="0"/>
+          <a:chOff x="0" y="0"/>
+          <a:chExt cx="0" cy="0"/>
+        </a:xfrm>
+      </p:grpSpPr>
+      <p:sp>
+        <p:nvSpPr>
+          <p:cNvPr id="2" name="Slide Image Placeholder 1"/>
+          <p:cNvSpPr>
+            <a:spLocks noGrp="1" noRot="1" noChangeAspect="1"/>
+          </p:cNvSpPr>
+          <p:nvPr>
+            <p:ph type="sldImg"/>
+          </p:nvPr>
+        </p:nvSpPr>
+        <p:spPr/>
+      </p:sp>
+      <p:sp>
+        <p:nvSpPr>
+          <p:cNvPr id="3" name="Notes Placeholder 2"/>
+          <p:cNvSpPr>
+            <a:spLocks noGrp="1"/>
+          </p:cNvSpPr>
+          <p:nvPr>
+            <p:ph type="body" idx="1"/>
+          </p:nvPr>
+        </p:nvSpPr>
+        <p:spPr/>
+        <p:txBody>
+          <a:bodyPr/>
+          <a:lstStyle/>
+          <a:p>
+            <a:r>
+              <a:rPr lang="en-US" b="1" dirty="0"/>
+              <a:t>Traditional Drug Discovery</a:t>
+            </a:r>
+          </a:p>
+          <a:p>
+            <a:r>
+              <a:rPr lang="en-US" b="1" dirty="0"/>
+              <a:t>Costs</a:t>
+            </a:r>
+          </a:p>
+          <a:p>
+            <a:r>
+              <a:rPr lang="en-US" b="1" dirty="0"/>
+              <a:t>High R&amp;D costs</a:t>
+            </a:r>
+            <a:r>
+              <a:rPr lang="en-US" dirty="0"/>
+              <a:t>: Traditional drug discovery involves extensive laboratory work, including assays, high-throughput screening, and medicinal chemistry efforts.</a:t>
+            </a:r>
+          </a:p>
+          <a:p>
+            <a:r>
+              <a:rPr lang="en-US" b="1" dirty="0"/>
+              <a:t>Long development times</a:t>
+            </a:r>
+            <a:r>
+              <a:rPr lang="en-US" dirty="0"/>
+              <a:t>: The average time required for traditional drug discovery can range from 10-15 years.</a:t>
+            </a:r>
+          </a:p>
+          <a:p>
+            <a:r>
+              <a:rPr lang="en-US" b="1" dirty="0"/>
+              <a:t>High failure rates</a:t>
+            </a:r>
+            <a:r>
+              <a:rPr lang="en-US" dirty="0"/>
+              <a:t>: Many candidate drugs fail in clinical trials due to toxicity, lack of efficacy, or pharmacokinetic issues, leading to significant financial losses.</a:t>
+            </a:r>
+          </a:p>
+          <a:p>
+            <a:r>
+              <a:rPr lang="en-US" b="1" dirty="0"/>
+              <a:t>Intellectual property costs</a:t>
+            </a:r>
+            <a:r>
+              <a:rPr lang="en-US" dirty="0"/>
+              <a:t>: Filing patents and maintaining them can be expensive, especially when considering the number of potential candidates in traditional drug discovery.</a:t>
+            </a:r>
+          </a:p>
+          <a:p>
+            <a:r>
+              <a:rPr lang="en-US" b="1" dirty="0"/>
+              <a:t>Benefits</a:t>
+            </a:r>
+          </a:p>
+          <a:p>
+            <a:r>
+              <a:rPr lang="en-US" b="1" dirty="0"/>
+              <a:t>Established methods</a:t>
+            </a:r>
+            <a:r>
+              <a:rPr lang="en-US" dirty="0"/>
+              <a:t>: Traditional drug discovery has a long history and is built on a foundation of well-established methods and protocols.</a:t>
+            </a:r>
+          </a:p>
+          <a:p>
+            <a:r>
+              <a:rPr lang="en-US" b="1" dirty="0"/>
+              <a:t>Expertise</a:t>
+            </a:r>
+            <a:r>
+              <a:rPr lang="en-US" dirty="0"/>
+              <a:t>: There is a wealth of knowledge and experience in traditional drug discovery, including experienced researchers and established pharmaceutical companies.</a:t>
+            </a:r>
+          </a:p>
+          <a:p>
+            <a:r>
+              <a:rPr lang="en-US" b="1" dirty="0"/>
+              <a:t>Tangible results</a:t>
+            </a:r>
+            <a:r>
+              <a:rPr lang="en-US" dirty="0"/>
+              <a:t>: Traditional drug discovery has a track record of producing successful drugs and treatments.</a:t>
+            </a:r>
+          </a:p>
+          <a:p>
+            <a:endParaRPr lang="en-US" dirty="0"/>
+          </a:p>
+        </p:txBody>
+      </p:sp>
+      <p:sp>
+        <p:nvSpPr>
+          <p:cNvPr id="4" name="Slide Number Placeholder 3"/>
+          <p:cNvSpPr>
+            <a:spLocks noGrp="1"/>
+          </p:cNvSpPr>
+          <p:nvPr>
+            <p:ph type="sldNum" sz="quarter" idx="5"/>
+          </p:nvPr>
+        </p:nvSpPr>
+        <p:spPr/>
+        <p:txBody>
+          <a:bodyPr/>
+          <a:lstStyle/>
+          <a:p>
+            <a:fld id="{E77301C6-8B3E-B743-BA2C-E5A04546612B}" type="slidenum">
+              <a:rPr lang="en-US" smtClean="0"/>
+              <a:t>3</a:t>
+            </a:fld>
+            <a:endParaRPr lang="en-US"/>
+          </a:p>
+        </p:txBody>
+      </p:sp>
+    </p:spTree>
+    <p:extLst>
+      <p:ext uri="{BB962C8B-B14F-4D97-AF65-F5344CB8AC3E}">
+        <p14:creationId xmlns:p14="http://schemas.microsoft.com/office/powerpoint/2010/main" val="1513439189"/>
+      </p:ext>
+    </p:extLst>
+  </p:cSld>
+  <p:clrMapOvr>
+    <a:masterClrMapping/>
+  </p:clrMapOvr>
+</p:notes>
+</file>
+
+<file path=ppt/notesSlides/notesSlide3.xml><?xml version="1.0" encoding="utf-8"?>
+<p:notes xmlns:a="http://schemas.openxmlformats.org/drawingml/2006/main" xmlns:r="http://schemas.openxmlformats.org/officeDocument/2006/relationships" xmlns:p="http://schemas.openxmlformats.org/presentationml/2006/main">
+  <p:cSld>
+    <p:spTree>
+      <p:nvGrpSpPr>
+        <p:cNvPr id="1" name=""/>
+        <p:cNvGrpSpPr/>
+        <p:nvPr/>
+      </p:nvGrpSpPr>
+      <p:grpSpPr>
+        <a:xfrm>
+          <a:off x="0" y="0"/>
+          <a:ext cx="0" cy="0"/>
+          <a:chOff x="0" y="0"/>
+          <a:chExt cx="0" cy="0"/>
+        </a:xfrm>
+      </p:grpSpPr>
+      <p:sp>
+        <p:nvSpPr>
+          <p:cNvPr id="2" name="Slide Image Placeholder 1"/>
+          <p:cNvSpPr>
+            <a:spLocks noGrp="1" noRot="1" noChangeAspect="1"/>
+          </p:cNvSpPr>
+          <p:nvPr>
+            <p:ph type="sldImg"/>
+          </p:nvPr>
+        </p:nvSpPr>
+        <p:spPr/>
+      </p:sp>
+      <p:sp>
+        <p:nvSpPr>
+          <p:cNvPr id="3" name="Notes Placeholder 2"/>
+          <p:cNvSpPr>
+            <a:spLocks noGrp="1"/>
+          </p:cNvSpPr>
+          <p:nvPr>
+            <p:ph type="body" idx="1"/>
+          </p:nvPr>
+        </p:nvSpPr>
+        <p:spPr/>
+        <p:txBody>
+          <a:bodyPr/>
+          <a:lstStyle/>
+          <a:p>
+            <a:r>
+              <a:rPr lang="en-US" b="1" dirty="0"/>
+              <a:t>Machine Learning-based Drug Discovery</a:t>
+            </a:r>
+          </a:p>
+          <a:p>
+            <a:endParaRPr lang="en-US" dirty="0">
+              <a:effectLst/>
+            </a:endParaRPr>
+          </a:p>
+          <a:p>
+            <a:endParaRPr lang="en-US" dirty="0"/>
+          </a:p>
+          <a:p>
+            <a:r>
+              <a:rPr lang="en-US" b="1" dirty="0"/>
+              <a:t>Machine Learning-based Drug Discovery</a:t>
+            </a:r>
+          </a:p>
+          <a:p>
+            <a:r>
+              <a:rPr lang="en-US" b="1" dirty="0"/>
+              <a:t>Costs</a:t>
+            </a:r>
+          </a:p>
+          <a:p>
+            <a:r>
+              <a:rPr lang="en-US" b="1" dirty="0"/>
+              <a:t>Data acquisition and processing</a:t>
+            </a:r>
+            <a:r>
+              <a:rPr lang="en-US" dirty="0"/>
+              <a:t>: Obtaining high-quality, relevant datasets for model development can be expensive and time-consuming.</a:t>
+            </a:r>
+          </a:p>
+          <a:p>
+            <a:r>
+              <a:rPr lang="en-US" b="1" dirty="0"/>
+              <a:t>Computational resources</a:t>
+            </a:r>
+            <a:r>
+              <a:rPr lang="en-US" dirty="0"/>
+              <a:t>: Training machine learning models, especially deep learning models, requires significant computational power and resources.</a:t>
+            </a:r>
+          </a:p>
+          <a:p>
+            <a:r>
+              <a:rPr lang="en-US" b="1" dirty="0"/>
+              <a:t>Expertise</a:t>
+            </a:r>
+            <a:r>
+              <a:rPr lang="en-US" dirty="0"/>
+              <a:t>: Skilled data scientists and domain experts are needed to develop, validate, and optimize machine learning models.</a:t>
+            </a:r>
+          </a:p>
+          <a:p>
+            <a:endParaRPr lang="en-US" dirty="0"/>
+          </a:p>
+          <a:p>
+            <a:r>
+              <a:rPr lang="en-US" b="1" dirty="0"/>
+              <a:t>Benefits</a:t>
+            </a:r>
+          </a:p>
+          <a:p>
+            <a:r>
+              <a:rPr lang="en-US" b="1" dirty="0"/>
+              <a:t>Reduced R&amp;D costs</a:t>
+            </a:r>
+            <a:r>
+              <a:rPr lang="en-US" dirty="0"/>
+              <a:t>: Machine learning can significantly reduce the costs associated with laboratory work by prioritizing candidates and optimizing chemical structures before synthesis and testing.</a:t>
+            </a:r>
+          </a:p>
+          <a:p>
+            <a:r>
+              <a:rPr lang="en-US" b="1" dirty="0"/>
+              <a:t>Shorter development times</a:t>
+            </a:r>
+            <a:r>
+              <a:rPr lang="en-US" dirty="0"/>
+              <a:t>: Machine learning has the potential to accelerate the drug discovery process by rapidly identifying promising candidates and optimizing their properties.</a:t>
+            </a:r>
+          </a:p>
+          <a:p>
+            <a:r>
+              <a:rPr lang="en-US" b="1" dirty="0"/>
+              <a:t>Improved success rates</a:t>
+            </a:r>
+            <a:r>
+              <a:rPr lang="en-US" dirty="0"/>
+              <a:t>: Machine learning can help identify potential issues early in the development process, reducing the likelihood of failures in clinical trials.</a:t>
+            </a:r>
+          </a:p>
+          <a:p>
+            <a:r>
+              <a:rPr lang="en-US" b="1" dirty="0"/>
+              <a:t>Personalized medicine</a:t>
+            </a:r>
+            <a:r>
+              <a:rPr lang="en-US" dirty="0"/>
+              <a:t>: Machine learning can facilitate the development of tailored treatments based on individual patient data, improving treatment outcomes.</a:t>
+            </a:r>
+          </a:p>
+          <a:p>
+            <a:endParaRPr lang="en-US" dirty="0"/>
+          </a:p>
+        </p:txBody>
+      </p:sp>
+      <p:sp>
+        <p:nvSpPr>
+          <p:cNvPr id="4" name="Slide Number Placeholder 3"/>
+          <p:cNvSpPr>
+            <a:spLocks noGrp="1"/>
+          </p:cNvSpPr>
+          <p:nvPr>
+            <p:ph type="sldNum" sz="quarter" idx="5"/>
+          </p:nvPr>
+        </p:nvSpPr>
+        <p:spPr/>
+        <p:txBody>
+          <a:bodyPr/>
+          <a:lstStyle/>
+          <a:p>
+            <a:fld id="{E77301C6-8B3E-B743-BA2C-E5A04546612B}" type="slidenum">
+              <a:rPr lang="en-US" smtClean="0"/>
+              <a:t>4</a:t>
+            </a:fld>
+            <a:endParaRPr lang="en-US"/>
+          </a:p>
+        </p:txBody>
+      </p:sp>
+    </p:spTree>
+    <p:extLst>
+      <p:ext uri="{BB962C8B-B14F-4D97-AF65-F5344CB8AC3E}">
+        <p14:creationId xmlns:p14="http://schemas.microsoft.com/office/powerpoint/2010/main" val="4000124092"/>
+      </p:ext>
+    </p:extLst>
+  </p:cSld>
+  <p:clrMapOvr>
+    <a:masterClrMapping/>
+  </p:clrMapOvr>
+</p:notes>
 </file>
 
 <file path=ppt/slideLayouts/slideLayout1.xml><?xml version="1.0" encoding="utf-8"?>
@@ -3342,7 +4151,10 @@
           <a:bodyPr/>
           <a:lstStyle/>
           <a:p>
-            <a:endParaRPr lang="en-US"/>
+            <a:r>
+              <a:rPr lang="en-US" dirty="0"/>
+              <a:t>In-Silico Drug Discovery and Design</a:t>
+            </a:r>
           </a:p>
         </p:txBody>
       </p:sp>
@@ -3367,7 +4179,10 @@
           <a:bodyPr/>
           <a:lstStyle/>
           <a:p>
-            <a:endParaRPr lang="en-US"/>
+            <a:r>
+              <a:rPr lang="en-US" dirty="0"/>
+              <a:t>Tyler Poore</a:t>
+            </a:r>
           </a:p>
         </p:txBody>
       </p:sp>
@@ -3375,6 +4190,1288 @@
     <p:extLst>
       <p:ext uri="{BB962C8B-B14F-4D97-AF65-F5344CB8AC3E}">
         <p14:creationId xmlns:p14="http://schemas.microsoft.com/office/powerpoint/2010/main" val="2830061583"/>
+      </p:ext>
+    </p:extLst>
+  </p:cSld>
+  <p:clrMapOvr>
+    <a:masterClrMapping/>
+  </p:clrMapOvr>
+</p:sld>
+</file>
+
+<file path=ppt/slides/slide10.xml><?xml version="1.0" encoding="utf-8"?>
+<p:sld xmlns:a="http://schemas.openxmlformats.org/drawingml/2006/main" xmlns:r="http://schemas.openxmlformats.org/officeDocument/2006/relationships" xmlns:p="http://schemas.openxmlformats.org/presentationml/2006/main">
+  <p:cSld>
+    <p:spTree>
+      <p:nvGrpSpPr>
+        <p:cNvPr id="1" name=""/>
+        <p:cNvGrpSpPr/>
+        <p:nvPr/>
+      </p:nvGrpSpPr>
+      <p:grpSpPr>
+        <a:xfrm>
+          <a:off x="0" y="0"/>
+          <a:ext cx="0" cy="0"/>
+          <a:chOff x="0" y="0"/>
+          <a:chExt cx="0" cy="0"/>
+        </a:xfrm>
+      </p:grpSpPr>
+      <p:sp>
+        <p:nvSpPr>
+          <p:cNvPr id="2" name="Title 1">
+            <a:extLst>
+              <a:ext uri="{FF2B5EF4-FFF2-40B4-BE49-F238E27FC236}">
+                <a16:creationId xmlns:a16="http://schemas.microsoft.com/office/drawing/2014/main" id="{65C31193-3C18-9E4E-BDF3-17B640A661AD}"/>
+              </a:ext>
+            </a:extLst>
+          </p:cNvPr>
+          <p:cNvSpPr>
+            <a:spLocks noGrp="1"/>
+          </p:cNvSpPr>
+          <p:nvPr>
+            <p:ph type="title"/>
+          </p:nvPr>
+        </p:nvSpPr>
+        <p:spPr/>
+        <p:txBody>
+          <a:bodyPr/>
+          <a:lstStyle/>
+          <a:p>
+            <a:r>
+              <a:rPr lang="en-US" dirty="0"/>
+              <a:t>Virtual Screening and Hit Identification</a:t>
+            </a:r>
+          </a:p>
+        </p:txBody>
+      </p:sp>
+      <p:sp>
+        <p:nvSpPr>
+          <p:cNvPr id="3" name="Content Placeholder 2">
+            <a:extLst>
+              <a:ext uri="{FF2B5EF4-FFF2-40B4-BE49-F238E27FC236}">
+                <a16:creationId xmlns:a16="http://schemas.microsoft.com/office/drawing/2014/main" id="{97C238E4-D82D-7D4E-8DB5-91A5586D3372}"/>
+              </a:ext>
+            </a:extLst>
+          </p:cNvPr>
+          <p:cNvSpPr>
+            <a:spLocks noGrp="1"/>
+          </p:cNvSpPr>
+          <p:nvPr>
+            <p:ph idx="1"/>
+          </p:nvPr>
+        </p:nvSpPr>
+        <p:spPr/>
+        <p:txBody>
+          <a:bodyPr/>
+          <a:lstStyle/>
+          <a:p>
+            <a:r>
+              <a:rPr lang="en-US" dirty="0"/>
+              <a:t>Describe the Virtual Screening Process</a:t>
+            </a:r>
+          </a:p>
+          <a:p>
+            <a:r>
+              <a:rPr lang="en-US" dirty="0"/>
+              <a:t>Present identified hits and prioritization methods</a:t>
+            </a:r>
+          </a:p>
+        </p:txBody>
+      </p:sp>
+    </p:spTree>
+    <p:extLst>
+      <p:ext uri="{BB962C8B-B14F-4D97-AF65-F5344CB8AC3E}">
+        <p14:creationId xmlns:p14="http://schemas.microsoft.com/office/powerpoint/2010/main" val="2139591373"/>
+      </p:ext>
+    </p:extLst>
+  </p:cSld>
+  <p:clrMapOvr>
+    <a:masterClrMapping/>
+  </p:clrMapOvr>
+</p:sld>
+</file>
+
+<file path=ppt/slides/slide11.xml><?xml version="1.0" encoding="utf-8"?>
+<p:sld xmlns:a="http://schemas.openxmlformats.org/drawingml/2006/main" xmlns:r="http://schemas.openxmlformats.org/officeDocument/2006/relationships" xmlns:p="http://schemas.openxmlformats.org/presentationml/2006/main">
+  <p:cSld>
+    <p:spTree>
+      <p:nvGrpSpPr>
+        <p:cNvPr id="1" name=""/>
+        <p:cNvGrpSpPr/>
+        <p:nvPr/>
+      </p:nvGrpSpPr>
+      <p:grpSpPr>
+        <a:xfrm>
+          <a:off x="0" y="0"/>
+          <a:ext cx="0" cy="0"/>
+          <a:chOff x="0" y="0"/>
+          <a:chExt cx="0" cy="0"/>
+        </a:xfrm>
+      </p:grpSpPr>
+      <p:sp>
+        <p:nvSpPr>
+          <p:cNvPr id="2" name="Title 1">
+            <a:extLst>
+              <a:ext uri="{FF2B5EF4-FFF2-40B4-BE49-F238E27FC236}">
+                <a16:creationId xmlns:a16="http://schemas.microsoft.com/office/drawing/2014/main" id="{0C292C99-FA2F-A845-8E4B-880E1F7ADFE1}"/>
+              </a:ext>
+            </a:extLst>
+          </p:cNvPr>
+          <p:cNvSpPr>
+            <a:spLocks noGrp="1"/>
+          </p:cNvSpPr>
+          <p:nvPr>
+            <p:ph type="title"/>
+          </p:nvPr>
+        </p:nvSpPr>
+        <p:spPr/>
+        <p:txBody>
+          <a:bodyPr/>
+          <a:lstStyle/>
+          <a:p>
+            <a:r>
+              <a:rPr lang="en-US" dirty="0"/>
+              <a:t>Hit-to-Lead Optimization</a:t>
+            </a:r>
+          </a:p>
+        </p:txBody>
+      </p:sp>
+      <p:sp>
+        <p:nvSpPr>
+          <p:cNvPr id="3" name="Content Placeholder 2">
+            <a:extLst>
+              <a:ext uri="{FF2B5EF4-FFF2-40B4-BE49-F238E27FC236}">
+                <a16:creationId xmlns:a16="http://schemas.microsoft.com/office/drawing/2014/main" id="{A192CDC1-CB26-554C-992A-6B9FEB86C9B6}"/>
+              </a:ext>
+            </a:extLst>
+          </p:cNvPr>
+          <p:cNvSpPr>
+            <a:spLocks noGrp="1"/>
+          </p:cNvSpPr>
+          <p:nvPr>
+            <p:ph idx="1"/>
+          </p:nvPr>
+        </p:nvSpPr>
+        <p:spPr/>
+        <p:txBody>
+          <a:bodyPr/>
+          <a:lstStyle/>
+          <a:p>
+            <a:r>
+              <a:rPr lang="en-US" dirty="0"/>
+              <a:t>Explain Optimization Strategies for hit-to-lead and lead molecules</a:t>
+            </a:r>
+          </a:p>
+          <a:p>
+            <a:r>
+              <a:rPr lang="en-US" dirty="0"/>
+              <a:t>Present some examples of optimized compounds</a:t>
+            </a:r>
+          </a:p>
+        </p:txBody>
+      </p:sp>
+    </p:spTree>
+    <p:extLst>
+      <p:ext uri="{BB962C8B-B14F-4D97-AF65-F5344CB8AC3E}">
+        <p14:creationId xmlns:p14="http://schemas.microsoft.com/office/powerpoint/2010/main" val="1018970548"/>
+      </p:ext>
+    </p:extLst>
+  </p:cSld>
+  <p:clrMapOvr>
+    <a:masterClrMapping/>
+  </p:clrMapOvr>
+</p:sld>
+</file>
+
+<file path=ppt/slides/slide12.xml><?xml version="1.0" encoding="utf-8"?>
+<p:sld xmlns:a="http://schemas.openxmlformats.org/drawingml/2006/main" xmlns:r="http://schemas.openxmlformats.org/officeDocument/2006/relationships" xmlns:p="http://schemas.openxmlformats.org/presentationml/2006/main">
+  <p:cSld>
+    <p:spTree>
+      <p:nvGrpSpPr>
+        <p:cNvPr id="1" name=""/>
+        <p:cNvGrpSpPr/>
+        <p:nvPr/>
+      </p:nvGrpSpPr>
+      <p:grpSpPr>
+        <a:xfrm>
+          <a:off x="0" y="0"/>
+          <a:ext cx="0" cy="0"/>
+          <a:chOff x="0" y="0"/>
+          <a:chExt cx="0" cy="0"/>
+        </a:xfrm>
+      </p:grpSpPr>
+      <p:sp>
+        <p:nvSpPr>
+          <p:cNvPr id="2" name="Title 1">
+            <a:extLst>
+              <a:ext uri="{FF2B5EF4-FFF2-40B4-BE49-F238E27FC236}">
+                <a16:creationId xmlns:a16="http://schemas.microsoft.com/office/drawing/2014/main" id="{5CEC9E7A-11F5-0646-93A6-BD6518C625FA}"/>
+              </a:ext>
+            </a:extLst>
+          </p:cNvPr>
+          <p:cNvSpPr>
+            <a:spLocks noGrp="1"/>
+          </p:cNvSpPr>
+          <p:nvPr>
+            <p:ph type="title"/>
+          </p:nvPr>
+        </p:nvSpPr>
+        <p:spPr/>
+        <p:txBody>
+          <a:bodyPr/>
+          <a:lstStyle/>
+          <a:p>
+            <a:r>
+              <a:rPr lang="en-US" dirty="0"/>
+              <a:t>Model Testing and Performance Evaluation</a:t>
+            </a:r>
+          </a:p>
+        </p:txBody>
+      </p:sp>
+      <p:sp>
+        <p:nvSpPr>
+          <p:cNvPr id="3" name="Content Placeholder 2">
+            <a:extLst>
+              <a:ext uri="{FF2B5EF4-FFF2-40B4-BE49-F238E27FC236}">
+                <a16:creationId xmlns:a16="http://schemas.microsoft.com/office/drawing/2014/main" id="{3797178A-66D2-7E43-8F0A-E09CD5A23C6A}"/>
+              </a:ext>
+            </a:extLst>
+          </p:cNvPr>
+          <p:cNvSpPr>
+            <a:spLocks noGrp="1"/>
+          </p:cNvSpPr>
+          <p:nvPr>
+            <p:ph idx="1"/>
+          </p:nvPr>
+        </p:nvSpPr>
+        <p:spPr/>
+        <p:txBody>
+          <a:bodyPr/>
+          <a:lstStyle/>
+          <a:p>
+            <a:r>
+              <a:rPr lang="en-US" dirty="0"/>
+              <a:t>Discuss Results of testing the models on test set</a:t>
+            </a:r>
+          </a:p>
+          <a:p>
+            <a:r>
+              <a:rPr lang="en-US" dirty="0"/>
+              <a:t>Highlight robustness, accuracy (or appropriate metric), and generalizability of the models</a:t>
+            </a:r>
+          </a:p>
+        </p:txBody>
+      </p:sp>
+    </p:spTree>
+    <p:extLst>
+      <p:ext uri="{BB962C8B-B14F-4D97-AF65-F5344CB8AC3E}">
+        <p14:creationId xmlns:p14="http://schemas.microsoft.com/office/powerpoint/2010/main" val="3158382896"/>
+      </p:ext>
+    </p:extLst>
+  </p:cSld>
+  <p:clrMapOvr>
+    <a:masterClrMapping/>
+  </p:clrMapOvr>
+</p:sld>
+</file>
+
+<file path=ppt/slides/slide13.xml><?xml version="1.0" encoding="utf-8"?>
+<p:sld xmlns:a="http://schemas.openxmlformats.org/drawingml/2006/main" xmlns:r="http://schemas.openxmlformats.org/officeDocument/2006/relationships" xmlns:p="http://schemas.openxmlformats.org/presentationml/2006/main">
+  <p:cSld>
+    <p:spTree>
+      <p:nvGrpSpPr>
+        <p:cNvPr id="1" name=""/>
+        <p:cNvGrpSpPr/>
+        <p:nvPr/>
+      </p:nvGrpSpPr>
+      <p:grpSpPr>
+        <a:xfrm>
+          <a:off x="0" y="0"/>
+          <a:ext cx="0" cy="0"/>
+          <a:chOff x="0" y="0"/>
+          <a:chExt cx="0" cy="0"/>
+        </a:xfrm>
+      </p:grpSpPr>
+      <p:sp>
+        <p:nvSpPr>
+          <p:cNvPr id="2" name="Title 1">
+            <a:extLst>
+              <a:ext uri="{FF2B5EF4-FFF2-40B4-BE49-F238E27FC236}">
+                <a16:creationId xmlns:a16="http://schemas.microsoft.com/office/drawing/2014/main" id="{93D1FA29-3F6B-2A46-8A5E-FC7C0D768DE7}"/>
+              </a:ext>
+            </a:extLst>
+          </p:cNvPr>
+          <p:cNvSpPr>
+            <a:spLocks noGrp="1"/>
+          </p:cNvSpPr>
+          <p:nvPr>
+            <p:ph type="title"/>
+          </p:nvPr>
+        </p:nvSpPr>
+        <p:spPr/>
+        <p:txBody>
+          <a:bodyPr/>
+          <a:lstStyle/>
+          <a:p>
+            <a:r>
+              <a:rPr lang="en-US" dirty="0"/>
+              <a:t>Conclusions and Future Work</a:t>
+            </a:r>
+          </a:p>
+        </p:txBody>
+      </p:sp>
+      <p:sp>
+        <p:nvSpPr>
+          <p:cNvPr id="3" name="Content Placeholder 2">
+            <a:extLst>
+              <a:ext uri="{FF2B5EF4-FFF2-40B4-BE49-F238E27FC236}">
+                <a16:creationId xmlns:a16="http://schemas.microsoft.com/office/drawing/2014/main" id="{429777A9-1C5A-4D4F-9132-980DA7083444}"/>
+              </a:ext>
+            </a:extLst>
+          </p:cNvPr>
+          <p:cNvSpPr>
+            <a:spLocks noGrp="1"/>
+          </p:cNvSpPr>
+          <p:nvPr>
+            <p:ph idx="1"/>
+          </p:nvPr>
+        </p:nvSpPr>
+        <p:spPr/>
+        <p:txBody>
+          <a:bodyPr/>
+          <a:lstStyle/>
+          <a:p>
+            <a:r>
+              <a:rPr lang="en-US" dirty="0"/>
+              <a:t>Summarize Key Findings</a:t>
+            </a:r>
+          </a:p>
+          <a:p>
+            <a:r>
+              <a:rPr lang="en-US" dirty="0"/>
+              <a:t>Discuss Improvements, Extensions, or Applications for the developed models</a:t>
+            </a:r>
+          </a:p>
+        </p:txBody>
+      </p:sp>
+    </p:spTree>
+    <p:extLst>
+      <p:ext uri="{BB962C8B-B14F-4D97-AF65-F5344CB8AC3E}">
+        <p14:creationId xmlns:p14="http://schemas.microsoft.com/office/powerpoint/2010/main" val="3282458048"/>
+      </p:ext>
+    </p:extLst>
+  </p:cSld>
+  <p:clrMapOvr>
+    <a:masterClrMapping/>
+  </p:clrMapOvr>
+</p:sld>
+</file>
+
+<file path=ppt/slides/slide2.xml><?xml version="1.0" encoding="utf-8"?>
+<p:sld xmlns:a="http://schemas.openxmlformats.org/drawingml/2006/main" xmlns:r="http://schemas.openxmlformats.org/officeDocument/2006/relationships" xmlns:p="http://schemas.openxmlformats.org/presentationml/2006/main">
+  <p:cSld>
+    <p:spTree>
+      <p:nvGrpSpPr>
+        <p:cNvPr id="1" name=""/>
+        <p:cNvGrpSpPr/>
+        <p:nvPr/>
+      </p:nvGrpSpPr>
+      <p:grpSpPr>
+        <a:xfrm>
+          <a:off x="0" y="0"/>
+          <a:ext cx="0" cy="0"/>
+          <a:chOff x="0" y="0"/>
+          <a:chExt cx="0" cy="0"/>
+        </a:xfrm>
+      </p:grpSpPr>
+      <p:sp>
+        <p:nvSpPr>
+          <p:cNvPr id="2" name="Title 1">
+            <a:extLst>
+              <a:ext uri="{FF2B5EF4-FFF2-40B4-BE49-F238E27FC236}">
+                <a16:creationId xmlns:a16="http://schemas.microsoft.com/office/drawing/2014/main" id="{13D9C1A3-A82C-5F4F-B07B-3E367B0A8F44}"/>
+              </a:ext>
+            </a:extLst>
+          </p:cNvPr>
+          <p:cNvSpPr>
+            <a:spLocks noGrp="1"/>
+          </p:cNvSpPr>
+          <p:nvPr>
+            <p:ph type="title"/>
+          </p:nvPr>
+        </p:nvSpPr>
+        <p:spPr/>
+        <p:txBody>
+          <a:bodyPr/>
+          <a:lstStyle/>
+          <a:p>
+            <a:r>
+              <a:rPr lang="en-US" dirty="0"/>
+              <a:t>The Importance of Drug Discovery</a:t>
+            </a:r>
+          </a:p>
+        </p:txBody>
+      </p:sp>
+      <p:sp>
+        <p:nvSpPr>
+          <p:cNvPr id="3" name="Content Placeholder 2">
+            <a:extLst>
+              <a:ext uri="{FF2B5EF4-FFF2-40B4-BE49-F238E27FC236}">
+                <a16:creationId xmlns:a16="http://schemas.microsoft.com/office/drawing/2014/main" id="{D0A36AED-173E-654E-AD31-80FA572042E5}"/>
+              </a:ext>
+            </a:extLst>
+          </p:cNvPr>
+          <p:cNvSpPr>
+            <a:spLocks noGrp="1"/>
+          </p:cNvSpPr>
+          <p:nvPr>
+            <p:ph idx="1"/>
+          </p:nvPr>
+        </p:nvSpPr>
+        <p:spPr/>
+        <p:txBody>
+          <a:bodyPr>
+            <a:normAutofit fontScale="92500" lnSpcReduction="10000"/>
+          </a:bodyPr>
+          <a:lstStyle/>
+          <a:p>
+            <a:r>
+              <a:rPr lang="en-US" dirty="0"/>
+              <a:t>Developing new drugs is crucial for addressing unmet medical needs, treating diseases, and improving patient outcomes</a:t>
+            </a:r>
+          </a:p>
+          <a:p>
+            <a:r>
+              <a:rPr lang="en-US" dirty="0"/>
+              <a:t>Traditional drug discovery is time-consuming, expensive, and has high failure rates, leading to significant financial risks</a:t>
+            </a:r>
+          </a:p>
+          <a:p>
+            <a:r>
+              <a:rPr lang="en-US" dirty="0"/>
+              <a:t>The vast chemical space of potential drug candidates makes it difficult to efficiently identify and optimize promising compounds using experimental methods alone</a:t>
+            </a:r>
+          </a:p>
+          <a:p>
+            <a:r>
+              <a:rPr lang="en-US" dirty="0"/>
+              <a:t>Machine learning can analyze large datasets and learn complex patterns, providing a powerful tool to predict compound properties and prioritize drug candidates, and can significantly reduce the time and cost associated with drug discovery by streamlining the identification and optimization of drug candidates</a:t>
+            </a:r>
+          </a:p>
+        </p:txBody>
+      </p:sp>
+    </p:spTree>
+    <p:extLst>
+      <p:ext uri="{BB962C8B-B14F-4D97-AF65-F5344CB8AC3E}">
+        <p14:creationId xmlns:p14="http://schemas.microsoft.com/office/powerpoint/2010/main" val="2327469781"/>
+      </p:ext>
+    </p:extLst>
+  </p:cSld>
+  <p:clrMapOvr>
+    <a:masterClrMapping/>
+  </p:clrMapOvr>
+</p:sld>
+</file>
+
+<file path=ppt/slides/slide3.xml><?xml version="1.0" encoding="utf-8"?>
+<p:sld xmlns:a="http://schemas.openxmlformats.org/drawingml/2006/main" xmlns:r="http://schemas.openxmlformats.org/officeDocument/2006/relationships" xmlns:p="http://schemas.openxmlformats.org/presentationml/2006/main">
+  <p:cSld>
+    <p:spTree>
+      <p:nvGrpSpPr>
+        <p:cNvPr id="1" name=""/>
+        <p:cNvGrpSpPr/>
+        <p:nvPr/>
+      </p:nvGrpSpPr>
+      <p:grpSpPr>
+        <a:xfrm>
+          <a:off x="0" y="0"/>
+          <a:ext cx="0" cy="0"/>
+          <a:chOff x="0" y="0"/>
+          <a:chExt cx="0" cy="0"/>
+        </a:xfrm>
+      </p:grpSpPr>
+      <p:sp>
+        <p:nvSpPr>
+          <p:cNvPr id="2" name="Title 1">
+            <a:extLst>
+              <a:ext uri="{FF2B5EF4-FFF2-40B4-BE49-F238E27FC236}">
+                <a16:creationId xmlns:a16="http://schemas.microsoft.com/office/drawing/2014/main" id="{1A70C007-DCED-6045-A01E-1C3F321BA395}"/>
+              </a:ext>
+            </a:extLst>
+          </p:cNvPr>
+          <p:cNvSpPr>
+            <a:spLocks noGrp="1"/>
+          </p:cNvSpPr>
+          <p:nvPr>
+            <p:ph type="title"/>
+          </p:nvPr>
+        </p:nvSpPr>
+        <p:spPr/>
+        <p:txBody>
+          <a:bodyPr/>
+          <a:lstStyle/>
+          <a:p>
+            <a:r>
+              <a:rPr lang="en-US" dirty="0"/>
+              <a:t>Introduction</a:t>
+            </a:r>
+          </a:p>
+        </p:txBody>
+      </p:sp>
+      <p:sp>
+        <p:nvSpPr>
+          <p:cNvPr id="3" name="Content Placeholder 2">
+            <a:extLst>
+              <a:ext uri="{FF2B5EF4-FFF2-40B4-BE49-F238E27FC236}">
+                <a16:creationId xmlns:a16="http://schemas.microsoft.com/office/drawing/2014/main" id="{139B8F82-59D3-244D-9838-D78FD4B88507}"/>
+              </a:ext>
+            </a:extLst>
+          </p:cNvPr>
+          <p:cNvSpPr>
+            <a:spLocks noGrp="1"/>
+          </p:cNvSpPr>
+          <p:nvPr>
+            <p:ph idx="1"/>
+          </p:nvPr>
+        </p:nvSpPr>
+        <p:spPr/>
+        <p:txBody>
+          <a:bodyPr>
+            <a:normAutofit fontScale="92500" lnSpcReduction="20000"/>
+          </a:bodyPr>
+          <a:lstStyle/>
+          <a:p>
+            <a:pPr marL="0" indent="0">
+              <a:buNone/>
+            </a:pPr>
+            <a:r>
+              <a:rPr lang="en-US" b="1" dirty="0"/>
+              <a:t>Traditional Drug Discovery</a:t>
+            </a:r>
+          </a:p>
+          <a:p>
+            <a:r>
+              <a:rPr lang="en-US" b="1" dirty="0"/>
+              <a:t>High R&amp;D costs</a:t>
+            </a:r>
+            <a:r>
+              <a:rPr lang="en-US" dirty="0"/>
+              <a:t>: Traditional drug discovery involves extensive laboratory work, including assays, high-throughput screening, and medicinal chemistry efforts</a:t>
+            </a:r>
+          </a:p>
+          <a:p>
+            <a:r>
+              <a:rPr lang="en-US" b="1" dirty="0"/>
+              <a:t>Long development times</a:t>
+            </a:r>
+            <a:r>
+              <a:rPr lang="en-US" dirty="0"/>
+              <a:t>: The average time required for traditional drug discovery can range from 10-15 years</a:t>
+            </a:r>
+          </a:p>
+          <a:p>
+            <a:r>
+              <a:rPr lang="en-US" b="1" dirty="0"/>
+              <a:t>High failure rates</a:t>
+            </a:r>
+            <a:r>
+              <a:rPr lang="en-US" dirty="0"/>
+              <a:t>: Many candidate drugs fail in clinical trials due to toxicity, lack of efficacy, or pharmacokinetic issues, leading to significant financial losses</a:t>
+            </a:r>
+          </a:p>
+          <a:p>
+            <a:r>
+              <a:rPr lang="en-US" b="1" dirty="0"/>
+              <a:t>Intellectual property costs</a:t>
+            </a:r>
+            <a:r>
+              <a:rPr lang="en-US" dirty="0"/>
+              <a:t>: Filing patents and maintaining them can be expensive, especially when considering the number of potential candidates in traditional drug discovery</a:t>
+            </a:r>
+          </a:p>
+        </p:txBody>
+      </p:sp>
+    </p:spTree>
+    <p:extLst>
+      <p:ext uri="{BB962C8B-B14F-4D97-AF65-F5344CB8AC3E}">
+        <p14:creationId xmlns:p14="http://schemas.microsoft.com/office/powerpoint/2010/main" val="2812548076"/>
+      </p:ext>
+    </p:extLst>
+  </p:cSld>
+  <p:clrMapOvr>
+    <a:masterClrMapping/>
+  </p:clrMapOvr>
+</p:sld>
+</file>
+
+<file path=ppt/slides/slide4.xml><?xml version="1.0" encoding="utf-8"?>
+<p:sld xmlns:a="http://schemas.openxmlformats.org/drawingml/2006/main" xmlns:r="http://schemas.openxmlformats.org/officeDocument/2006/relationships" xmlns:p="http://schemas.openxmlformats.org/presentationml/2006/main">
+  <p:cSld>
+    <p:spTree>
+      <p:nvGrpSpPr>
+        <p:cNvPr id="1" name=""/>
+        <p:cNvGrpSpPr/>
+        <p:nvPr/>
+      </p:nvGrpSpPr>
+      <p:grpSpPr>
+        <a:xfrm>
+          <a:off x="0" y="0"/>
+          <a:ext cx="0" cy="0"/>
+          <a:chOff x="0" y="0"/>
+          <a:chExt cx="0" cy="0"/>
+        </a:xfrm>
+      </p:grpSpPr>
+      <p:sp>
+        <p:nvSpPr>
+          <p:cNvPr id="2" name="Title 1">
+            <a:extLst>
+              <a:ext uri="{FF2B5EF4-FFF2-40B4-BE49-F238E27FC236}">
+                <a16:creationId xmlns:a16="http://schemas.microsoft.com/office/drawing/2014/main" id="{1A70C007-DCED-6045-A01E-1C3F321BA395}"/>
+              </a:ext>
+            </a:extLst>
+          </p:cNvPr>
+          <p:cNvSpPr>
+            <a:spLocks noGrp="1"/>
+          </p:cNvSpPr>
+          <p:nvPr>
+            <p:ph type="title"/>
+          </p:nvPr>
+        </p:nvSpPr>
+        <p:spPr/>
+        <p:txBody>
+          <a:bodyPr/>
+          <a:lstStyle/>
+          <a:p>
+            <a:r>
+              <a:rPr lang="en-US" dirty="0"/>
+              <a:t>Introduction</a:t>
+            </a:r>
+          </a:p>
+        </p:txBody>
+      </p:sp>
+      <p:sp>
+        <p:nvSpPr>
+          <p:cNvPr id="3" name="Content Placeholder 2">
+            <a:extLst>
+              <a:ext uri="{FF2B5EF4-FFF2-40B4-BE49-F238E27FC236}">
+                <a16:creationId xmlns:a16="http://schemas.microsoft.com/office/drawing/2014/main" id="{139B8F82-59D3-244D-9838-D78FD4B88507}"/>
+              </a:ext>
+            </a:extLst>
+          </p:cNvPr>
+          <p:cNvSpPr>
+            <a:spLocks noGrp="1"/>
+          </p:cNvSpPr>
+          <p:nvPr>
+            <p:ph idx="1"/>
+          </p:nvPr>
+        </p:nvSpPr>
+        <p:spPr/>
+        <p:txBody>
+          <a:bodyPr>
+            <a:normAutofit fontScale="92500" lnSpcReduction="20000"/>
+          </a:bodyPr>
+          <a:lstStyle/>
+          <a:p>
+            <a:pPr marL="0" indent="0">
+              <a:buNone/>
+            </a:pPr>
+            <a:r>
+              <a:rPr lang="en-US" b="1" dirty="0"/>
+              <a:t>Machine Learning-based Drug Discovery</a:t>
+            </a:r>
+          </a:p>
+          <a:p>
+            <a:r>
+              <a:rPr lang="en-US" b="1" dirty="0"/>
+              <a:t>Reduced R&amp;D costs</a:t>
+            </a:r>
+            <a:r>
+              <a:rPr lang="en-US" dirty="0"/>
+              <a:t>: Machine learning can significantly reduce the costs associated with laboratory work by prioritizing candidates and optimizing chemical structures before synthesis and testing</a:t>
+            </a:r>
+          </a:p>
+          <a:p>
+            <a:r>
+              <a:rPr lang="en-US" b="1" dirty="0"/>
+              <a:t>Shorter development times</a:t>
+            </a:r>
+            <a:r>
+              <a:rPr lang="en-US" dirty="0"/>
+              <a:t>: Machine learning has the potential to accelerate the drug discovery process by rapidly identifying promising candidates and optimizing their properties</a:t>
+            </a:r>
+          </a:p>
+          <a:p>
+            <a:r>
+              <a:rPr lang="en-US" b="1" dirty="0"/>
+              <a:t>Improved success rates</a:t>
+            </a:r>
+            <a:r>
+              <a:rPr lang="en-US" dirty="0"/>
+              <a:t>: Machine learning can help identify potential issues early in the development process, reducing the likelihood of failures in clinical trials</a:t>
+            </a:r>
+          </a:p>
+          <a:p>
+            <a:r>
+              <a:rPr lang="en-US" b="1" dirty="0"/>
+              <a:t>Personalized medicine</a:t>
+            </a:r>
+            <a:r>
+              <a:rPr lang="en-US" dirty="0"/>
+              <a:t>: Machine learning can facilitate the development of tailored treatments based on individual patient data, improving treatment outcomes</a:t>
+            </a:r>
+          </a:p>
+        </p:txBody>
+      </p:sp>
+    </p:spTree>
+    <p:extLst>
+      <p:ext uri="{BB962C8B-B14F-4D97-AF65-F5344CB8AC3E}">
+        <p14:creationId xmlns:p14="http://schemas.microsoft.com/office/powerpoint/2010/main" val="1338717843"/>
+      </p:ext>
+    </p:extLst>
+  </p:cSld>
+  <p:clrMapOvr>
+    <a:masterClrMapping/>
+  </p:clrMapOvr>
+</p:sld>
+</file>
+
+<file path=ppt/slides/slide5.xml><?xml version="1.0" encoding="utf-8"?>
+<p:sld xmlns:a="http://schemas.openxmlformats.org/drawingml/2006/main" xmlns:r="http://schemas.openxmlformats.org/officeDocument/2006/relationships" xmlns:p="http://schemas.openxmlformats.org/presentationml/2006/main">
+  <p:cSld>
+    <p:spTree>
+      <p:nvGrpSpPr>
+        <p:cNvPr id="1" name=""/>
+        <p:cNvGrpSpPr/>
+        <p:nvPr/>
+      </p:nvGrpSpPr>
+      <p:grpSpPr>
+        <a:xfrm>
+          <a:off x="0" y="0"/>
+          <a:ext cx="0" cy="0"/>
+          <a:chOff x="0" y="0"/>
+          <a:chExt cx="0" cy="0"/>
+        </a:xfrm>
+      </p:grpSpPr>
+      <p:sp>
+        <p:nvSpPr>
+          <p:cNvPr id="2" name="Title 1">
+            <a:extLst>
+              <a:ext uri="{FF2B5EF4-FFF2-40B4-BE49-F238E27FC236}">
+                <a16:creationId xmlns:a16="http://schemas.microsoft.com/office/drawing/2014/main" id="{FB303B74-24D8-274A-986A-5B991F84A856}"/>
+              </a:ext>
+            </a:extLst>
+          </p:cNvPr>
+          <p:cNvSpPr>
+            <a:spLocks noGrp="1"/>
+          </p:cNvSpPr>
+          <p:nvPr>
+            <p:ph type="title"/>
+          </p:nvPr>
+        </p:nvSpPr>
+        <p:spPr/>
+        <p:txBody>
+          <a:bodyPr/>
+          <a:lstStyle/>
+          <a:p>
+            <a:r>
+              <a:rPr lang="en-US" dirty="0"/>
+              <a:t>Project Goals and Scope</a:t>
+            </a:r>
+          </a:p>
+        </p:txBody>
+      </p:sp>
+      <p:sp>
+        <p:nvSpPr>
+          <p:cNvPr id="3" name="Content Placeholder 2">
+            <a:extLst>
+              <a:ext uri="{FF2B5EF4-FFF2-40B4-BE49-F238E27FC236}">
+                <a16:creationId xmlns:a16="http://schemas.microsoft.com/office/drawing/2014/main" id="{9A454D8E-CDC7-9242-BDA0-6EF237D2C408}"/>
+              </a:ext>
+            </a:extLst>
+          </p:cNvPr>
+          <p:cNvSpPr>
+            <a:spLocks noGrp="1"/>
+          </p:cNvSpPr>
+          <p:nvPr>
+            <p:ph idx="1"/>
+          </p:nvPr>
+        </p:nvSpPr>
+        <p:spPr/>
+        <p:txBody>
+          <a:bodyPr>
+            <a:normAutofit fontScale="92500" lnSpcReduction="10000"/>
+          </a:bodyPr>
+          <a:lstStyle/>
+          <a:p>
+            <a:pPr marL="0" indent="0">
+              <a:buNone/>
+            </a:pPr>
+            <a:r>
+              <a:rPr lang="en-US" b="1" dirty="0"/>
+              <a:t>Project Goals</a:t>
+            </a:r>
+            <a:endParaRPr lang="en-US" dirty="0"/>
+          </a:p>
+          <a:p>
+            <a:r>
+              <a:rPr lang="en-US" dirty="0"/>
+              <a:t>Develop and validate machine learning models for efficient and accurate virtual screening and hit identification.</a:t>
+            </a:r>
+          </a:p>
+          <a:p>
+            <a:r>
+              <a:rPr lang="en-US" dirty="0"/>
+              <a:t>Optimize the drug discovery pipeline by integrating machine learning with traditional methods.</a:t>
+            </a:r>
+          </a:p>
+          <a:p>
+            <a:r>
+              <a:rPr lang="en-US" dirty="0"/>
+              <a:t>Improve the success rate of drug candidates by identifying potential issues early in the development process.</a:t>
+            </a:r>
+          </a:p>
+          <a:p>
+            <a:r>
+              <a:rPr lang="en-US" dirty="0"/>
+              <a:t>Accelerate the drug discovery process by reducing the time and cost associated with identifying and optimizing drug candidates.</a:t>
+            </a:r>
+          </a:p>
+          <a:p>
+            <a:r>
+              <a:rPr lang="en-US" dirty="0"/>
+              <a:t>Contribute to the advancement of personalized medicine by facilitating the development of tailored treatments based on individual patient data.</a:t>
+            </a:r>
+          </a:p>
+          <a:p>
+            <a:endParaRPr lang="en-US" dirty="0"/>
+          </a:p>
+        </p:txBody>
+      </p:sp>
+    </p:spTree>
+    <p:extLst>
+      <p:ext uri="{BB962C8B-B14F-4D97-AF65-F5344CB8AC3E}">
+        <p14:creationId xmlns:p14="http://schemas.microsoft.com/office/powerpoint/2010/main" val="3984220988"/>
+      </p:ext>
+    </p:extLst>
+  </p:cSld>
+  <p:clrMapOvr>
+    <a:masterClrMapping/>
+  </p:clrMapOvr>
+</p:sld>
+</file>
+
+<file path=ppt/slides/slide6.xml><?xml version="1.0" encoding="utf-8"?>
+<p:sld xmlns:a="http://schemas.openxmlformats.org/drawingml/2006/main" xmlns:r="http://schemas.openxmlformats.org/officeDocument/2006/relationships" xmlns:p="http://schemas.openxmlformats.org/presentationml/2006/main">
+  <p:cSld>
+    <p:spTree>
+      <p:nvGrpSpPr>
+        <p:cNvPr id="1" name=""/>
+        <p:cNvGrpSpPr/>
+        <p:nvPr/>
+      </p:nvGrpSpPr>
+      <p:grpSpPr>
+        <a:xfrm>
+          <a:off x="0" y="0"/>
+          <a:ext cx="0" cy="0"/>
+          <a:chOff x="0" y="0"/>
+          <a:chExt cx="0" cy="0"/>
+        </a:xfrm>
+      </p:grpSpPr>
+      <p:sp>
+        <p:nvSpPr>
+          <p:cNvPr id="2" name="Title 1">
+            <a:extLst>
+              <a:ext uri="{FF2B5EF4-FFF2-40B4-BE49-F238E27FC236}">
+                <a16:creationId xmlns:a16="http://schemas.microsoft.com/office/drawing/2014/main" id="{FB303B74-24D8-274A-986A-5B991F84A856}"/>
+              </a:ext>
+            </a:extLst>
+          </p:cNvPr>
+          <p:cNvSpPr>
+            <a:spLocks noGrp="1"/>
+          </p:cNvSpPr>
+          <p:nvPr>
+            <p:ph type="title"/>
+          </p:nvPr>
+        </p:nvSpPr>
+        <p:spPr/>
+        <p:txBody>
+          <a:bodyPr/>
+          <a:lstStyle/>
+          <a:p>
+            <a:r>
+              <a:rPr lang="en-US" dirty="0"/>
+              <a:t>Project Goals and Scope</a:t>
+            </a:r>
+          </a:p>
+        </p:txBody>
+      </p:sp>
+      <p:sp>
+        <p:nvSpPr>
+          <p:cNvPr id="3" name="Content Placeholder 2">
+            <a:extLst>
+              <a:ext uri="{FF2B5EF4-FFF2-40B4-BE49-F238E27FC236}">
+                <a16:creationId xmlns:a16="http://schemas.microsoft.com/office/drawing/2014/main" id="{9A454D8E-CDC7-9242-BDA0-6EF237D2C408}"/>
+              </a:ext>
+            </a:extLst>
+          </p:cNvPr>
+          <p:cNvSpPr>
+            <a:spLocks noGrp="1"/>
+          </p:cNvSpPr>
+          <p:nvPr>
+            <p:ph idx="1"/>
+          </p:nvPr>
+        </p:nvSpPr>
+        <p:spPr/>
+        <p:txBody>
+          <a:bodyPr>
+            <a:normAutofit fontScale="85000" lnSpcReduction="20000"/>
+          </a:bodyPr>
+          <a:lstStyle/>
+          <a:p>
+            <a:pPr marL="0" indent="0">
+              <a:buNone/>
+            </a:pPr>
+            <a:r>
+              <a:rPr lang="en-US" b="1" dirty="0"/>
+              <a:t>Project Scope</a:t>
+            </a:r>
+            <a:endParaRPr lang="en-US" dirty="0"/>
+          </a:p>
+          <a:p>
+            <a:r>
+              <a:rPr lang="en-US" i="1" dirty="0"/>
+              <a:t>Data collection</a:t>
+            </a:r>
+            <a:r>
+              <a:rPr lang="en-US" dirty="0"/>
+              <a:t>: Compile and preprocess relevant datasets for model development and validation, including compound libraries and target protein structures.</a:t>
+            </a:r>
+          </a:p>
+          <a:p>
+            <a:r>
+              <a:rPr lang="en-US" i="1" dirty="0"/>
+              <a:t>Model development</a:t>
+            </a:r>
+            <a:r>
+              <a:rPr lang="en-US" dirty="0"/>
+              <a:t>: Implement ligand-based and structure-based virtual screening methods using machine learning techniques, such as QSAR modeling, molecular similarity, molecular docking, and pharmacophore modeling.</a:t>
+            </a:r>
+          </a:p>
+          <a:p>
+            <a:r>
+              <a:rPr lang="en-US" i="1" dirty="0"/>
+              <a:t>Model validation</a:t>
+            </a:r>
+            <a:r>
+              <a:rPr lang="en-US" dirty="0"/>
+              <a:t>: Evaluate the performance of the developed models using appropriate metrics and benchmarks, and optimize models based on the results.</a:t>
+            </a:r>
+          </a:p>
+          <a:p>
+            <a:r>
+              <a:rPr lang="en-US" i="1" dirty="0"/>
+              <a:t>Hit identification</a:t>
+            </a:r>
+            <a:r>
+              <a:rPr lang="en-US" dirty="0"/>
+              <a:t>: Apply the developed models to prioritize compounds for experimental validation and identify promising drug candidates.</a:t>
+            </a:r>
+          </a:p>
+          <a:p>
+            <a:r>
+              <a:rPr lang="en-US" i="1" dirty="0"/>
+              <a:t>Integration with traditional methods</a:t>
+            </a:r>
+            <a:r>
+              <a:rPr lang="en-US" dirty="0"/>
+              <a:t>: Combine machine learning-based approaches with established drug discovery methods to create a more efficient and successful drug development pipeline.</a:t>
+            </a:r>
+          </a:p>
+          <a:p>
+            <a:endParaRPr lang="en-US" dirty="0"/>
+          </a:p>
+        </p:txBody>
+      </p:sp>
+    </p:spTree>
+    <p:extLst>
+      <p:ext uri="{BB962C8B-B14F-4D97-AF65-F5344CB8AC3E}">
+        <p14:creationId xmlns:p14="http://schemas.microsoft.com/office/powerpoint/2010/main" val="1246848357"/>
+      </p:ext>
+    </p:extLst>
+  </p:cSld>
+  <p:clrMapOvr>
+    <a:masterClrMapping/>
+  </p:clrMapOvr>
+</p:sld>
+</file>
+
+<file path=ppt/slides/slide7.xml><?xml version="1.0" encoding="utf-8"?>
+<p:sld xmlns:a="http://schemas.openxmlformats.org/drawingml/2006/main" xmlns:r="http://schemas.openxmlformats.org/officeDocument/2006/relationships" xmlns:p="http://schemas.openxmlformats.org/presentationml/2006/main">
+  <p:cSld>
+    <p:spTree>
+      <p:nvGrpSpPr>
+        <p:cNvPr id="1" name=""/>
+        <p:cNvGrpSpPr/>
+        <p:nvPr/>
+      </p:nvGrpSpPr>
+      <p:grpSpPr>
+        <a:xfrm>
+          <a:off x="0" y="0"/>
+          <a:ext cx="0" cy="0"/>
+          <a:chOff x="0" y="0"/>
+          <a:chExt cx="0" cy="0"/>
+        </a:xfrm>
+      </p:grpSpPr>
+      <p:sp>
+        <p:nvSpPr>
+          <p:cNvPr id="2" name="Title 1">
+            <a:extLst>
+              <a:ext uri="{FF2B5EF4-FFF2-40B4-BE49-F238E27FC236}">
+                <a16:creationId xmlns:a16="http://schemas.microsoft.com/office/drawing/2014/main" id="{5AD0746A-1D5D-9A4A-B0F7-5F9284E8B799}"/>
+              </a:ext>
+            </a:extLst>
+          </p:cNvPr>
+          <p:cNvSpPr>
+            <a:spLocks noGrp="1"/>
+          </p:cNvSpPr>
+          <p:nvPr>
+            <p:ph type="title"/>
+          </p:nvPr>
+        </p:nvSpPr>
+        <p:spPr/>
+        <p:txBody>
+          <a:bodyPr/>
+          <a:lstStyle/>
+          <a:p>
+            <a:r>
+              <a:rPr lang="en-US" dirty="0"/>
+              <a:t>Data Collection and Preprocessing</a:t>
+            </a:r>
+          </a:p>
+        </p:txBody>
+      </p:sp>
+      <p:sp>
+        <p:nvSpPr>
+          <p:cNvPr id="3" name="Content Placeholder 2">
+            <a:extLst>
+              <a:ext uri="{FF2B5EF4-FFF2-40B4-BE49-F238E27FC236}">
+                <a16:creationId xmlns:a16="http://schemas.microsoft.com/office/drawing/2014/main" id="{3CB48E5B-E75F-A647-8A3E-08BA6B724A6A}"/>
+              </a:ext>
+            </a:extLst>
+          </p:cNvPr>
+          <p:cNvSpPr>
+            <a:spLocks noGrp="1"/>
+          </p:cNvSpPr>
+          <p:nvPr>
+            <p:ph idx="1"/>
+          </p:nvPr>
+        </p:nvSpPr>
+        <p:spPr/>
+        <p:txBody>
+          <a:bodyPr/>
+          <a:lstStyle/>
+          <a:p>
+            <a:r>
+              <a:rPr lang="en-US" dirty="0"/>
+              <a:t>List of data sources</a:t>
+            </a:r>
+          </a:p>
+          <a:p>
+            <a:r>
+              <a:rPr lang="en-US" dirty="0"/>
+              <a:t>Preprocessing steps</a:t>
+            </a:r>
+          </a:p>
+        </p:txBody>
+      </p:sp>
+    </p:spTree>
+    <p:extLst>
+      <p:ext uri="{BB962C8B-B14F-4D97-AF65-F5344CB8AC3E}">
+        <p14:creationId xmlns:p14="http://schemas.microsoft.com/office/powerpoint/2010/main" val="1366323848"/>
+      </p:ext>
+    </p:extLst>
+  </p:cSld>
+  <p:clrMapOvr>
+    <a:masterClrMapping/>
+  </p:clrMapOvr>
+</p:sld>
+</file>
+
+<file path=ppt/slides/slide8.xml><?xml version="1.0" encoding="utf-8"?>
+<p:sld xmlns:a="http://schemas.openxmlformats.org/drawingml/2006/main" xmlns:r="http://schemas.openxmlformats.org/officeDocument/2006/relationships" xmlns:p="http://schemas.openxmlformats.org/presentationml/2006/main">
+  <p:cSld>
+    <p:spTree>
+      <p:nvGrpSpPr>
+        <p:cNvPr id="1" name=""/>
+        <p:cNvGrpSpPr/>
+        <p:nvPr/>
+      </p:nvGrpSpPr>
+      <p:grpSpPr>
+        <a:xfrm>
+          <a:off x="0" y="0"/>
+          <a:ext cx="0" cy="0"/>
+          <a:chOff x="0" y="0"/>
+          <a:chExt cx="0" cy="0"/>
+        </a:xfrm>
+      </p:grpSpPr>
+      <p:sp>
+        <p:nvSpPr>
+          <p:cNvPr id="2" name="Title 1">
+            <a:extLst>
+              <a:ext uri="{FF2B5EF4-FFF2-40B4-BE49-F238E27FC236}">
+                <a16:creationId xmlns:a16="http://schemas.microsoft.com/office/drawing/2014/main" id="{B9FB0052-9485-EF4D-B442-96A4D80803B3}"/>
+              </a:ext>
+            </a:extLst>
+          </p:cNvPr>
+          <p:cNvSpPr>
+            <a:spLocks noGrp="1"/>
+          </p:cNvSpPr>
+          <p:nvPr>
+            <p:ph type="title"/>
+          </p:nvPr>
+        </p:nvSpPr>
+        <p:spPr/>
+        <p:txBody>
+          <a:bodyPr/>
+          <a:lstStyle/>
+          <a:p>
+            <a:r>
+              <a:rPr lang="en-US" dirty="0"/>
+              <a:t>Model Development</a:t>
+            </a:r>
+          </a:p>
+        </p:txBody>
+      </p:sp>
+      <p:sp>
+        <p:nvSpPr>
+          <p:cNvPr id="3" name="Content Placeholder 2">
+            <a:extLst>
+              <a:ext uri="{FF2B5EF4-FFF2-40B4-BE49-F238E27FC236}">
+                <a16:creationId xmlns:a16="http://schemas.microsoft.com/office/drawing/2014/main" id="{65D1EAE2-5911-B34F-AC78-794E9FF51F74}"/>
+              </a:ext>
+            </a:extLst>
+          </p:cNvPr>
+          <p:cNvSpPr>
+            <a:spLocks noGrp="1"/>
+          </p:cNvSpPr>
+          <p:nvPr>
+            <p:ph idx="1"/>
+          </p:nvPr>
+        </p:nvSpPr>
+        <p:spPr/>
+        <p:txBody>
+          <a:bodyPr/>
+          <a:lstStyle/>
+          <a:p>
+            <a:r>
+              <a:rPr lang="en-US" dirty="0"/>
+              <a:t>Describe types of models used</a:t>
+            </a:r>
+          </a:p>
+          <a:p>
+            <a:r>
+              <a:rPr lang="en-US" dirty="0"/>
+              <a:t>Specific Algorithms and why they were chosen</a:t>
+            </a:r>
+          </a:p>
+        </p:txBody>
+      </p:sp>
+    </p:spTree>
+    <p:extLst>
+      <p:ext uri="{BB962C8B-B14F-4D97-AF65-F5344CB8AC3E}">
+        <p14:creationId xmlns:p14="http://schemas.microsoft.com/office/powerpoint/2010/main" val="1898340868"/>
+      </p:ext>
+    </p:extLst>
+  </p:cSld>
+  <p:clrMapOvr>
+    <a:masterClrMapping/>
+  </p:clrMapOvr>
+</p:sld>
+</file>
+
+<file path=ppt/slides/slide9.xml><?xml version="1.0" encoding="utf-8"?>
+<p:sld xmlns:a="http://schemas.openxmlformats.org/drawingml/2006/main" xmlns:r="http://schemas.openxmlformats.org/officeDocument/2006/relationships" xmlns:p="http://schemas.openxmlformats.org/presentationml/2006/main">
+  <p:cSld>
+    <p:spTree>
+      <p:nvGrpSpPr>
+        <p:cNvPr id="1" name=""/>
+        <p:cNvGrpSpPr/>
+        <p:nvPr/>
+      </p:nvGrpSpPr>
+      <p:grpSpPr>
+        <a:xfrm>
+          <a:off x="0" y="0"/>
+          <a:ext cx="0" cy="0"/>
+          <a:chOff x="0" y="0"/>
+          <a:chExt cx="0" cy="0"/>
+        </a:xfrm>
+      </p:grpSpPr>
+      <p:sp>
+        <p:nvSpPr>
+          <p:cNvPr id="2" name="Title 1">
+            <a:extLst>
+              <a:ext uri="{FF2B5EF4-FFF2-40B4-BE49-F238E27FC236}">
+                <a16:creationId xmlns:a16="http://schemas.microsoft.com/office/drawing/2014/main" id="{09FF96B0-E02D-DD41-AB1A-68B31DCFB5A8}"/>
+              </a:ext>
+            </a:extLst>
+          </p:cNvPr>
+          <p:cNvSpPr>
+            <a:spLocks noGrp="1"/>
+          </p:cNvSpPr>
+          <p:nvPr>
+            <p:ph type="title"/>
+          </p:nvPr>
+        </p:nvSpPr>
+        <p:spPr/>
+        <p:txBody>
+          <a:bodyPr/>
+          <a:lstStyle/>
+          <a:p>
+            <a:r>
+              <a:rPr lang="en-US" dirty="0"/>
+              <a:t>Model Validation and Evaluation</a:t>
+            </a:r>
+          </a:p>
+        </p:txBody>
+      </p:sp>
+      <p:sp>
+        <p:nvSpPr>
+          <p:cNvPr id="3" name="Content Placeholder 2">
+            <a:extLst>
+              <a:ext uri="{FF2B5EF4-FFF2-40B4-BE49-F238E27FC236}">
+                <a16:creationId xmlns:a16="http://schemas.microsoft.com/office/drawing/2014/main" id="{2AB5B936-296B-8D4F-B14E-AF14ECDE37A5}"/>
+              </a:ext>
+            </a:extLst>
+          </p:cNvPr>
+          <p:cNvSpPr>
+            <a:spLocks noGrp="1"/>
+          </p:cNvSpPr>
+          <p:nvPr>
+            <p:ph idx="1"/>
+          </p:nvPr>
+        </p:nvSpPr>
+        <p:spPr/>
+        <p:txBody>
+          <a:bodyPr/>
+          <a:lstStyle/>
+          <a:p>
+            <a:r>
+              <a:rPr lang="en-US" dirty="0"/>
+              <a:t>Explain the Validation Techniques Used</a:t>
+            </a:r>
+          </a:p>
+          <a:p>
+            <a:r>
+              <a:rPr lang="en-US" dirty="0"/>
+              <a:t>Present Performance Metrics and Model Comparisons</a:t>
+            </a:r>
+          </a:p>
+        </p:txBody>
+      </p:sp>
+    </p:spTree>
+    <p:extLst>
+      <p:ext uri="{BB962C8B-B14F-4D97-AF65-F5344CB8AC3E}">
+        <p14:creationId xmlns:p14="http://schemas.microsoft.com/office/powerpoint/2010/main" val="4276584179"/>
       </p:ext>
     </p:extLst>
   </p:cSld>
@@ -3677,4 +5774,299 @@
     </a:ext>
   </a:extLst>
 </a:theme>
+</file>
+
+<file path=ppt/theme/theme2.xml><?xml version="1.0" encoding="utf-8"?>
+<a:theme xmlns:a="http://schemas.openxmlformats.org/drawingml/2006/main" name="Office Theme">
+  <a:themeElements>
+    <a:clrScheme name="Office">
+      <a:dk1>
+        <a:sysClr val="windowText" lastClr="000000"/>
+      </a:dk1>
+      <a:lt1>
+        <a:sysClr val="window" lastClr="FFFFFF"/>
+      </a:lt1>
+      <a:dk2>
+        <a:srgbClr val="44546A"/>
+      </a:dk2>
+      <a:lt2>
+        <a:srgbClr val="E7E6E6"/>
+      </a:lt2>
+      <a:accent1>
+        <a:srgbClr val="4472C4"/>
+      </a:accent1>
+      <a:accent2>
+        <a:srgbClr val="ED7D31"/>
+      </a:accent2>
+      <a:accent3>
+        <a:srgbClr val="A5A5A5"/>
+      </a:accent3>
+      <a:accent4>
+        <a:srgbClr val="FFC000"/>
+      </a:accent4>
+      <a:accent5>
+        <a:srgbClr val="5B9BD5"/>
+      </a:accent5>
+      <a:accent6>
+        <a:srgbClr val="70AD47"/>
+      </a:accent6>
+      <a:hlink>
+        <a:srgbClr val="0563C1"/>
+      </a:hlink>
+      <a:folHlink>
+        <a:srgbClr val="954F72"/>
+      </a:folHlink>
+    </a:clrScheme>
+    <a:fontScheme name="Office">
+      <a:majorFont>
+        <a:latin typeface="Calibri Light" panose="020F0302020204030204"/>
+        <a:ea typeface=""/>
+        <a:cs typeface=""/>
+        <a:font script="Jpan" typeface="游ゴシック Light"/>
+        <a:font script="Hang" typeface="맑은 고딕"/>
+        <a:font script="Hans" typeface="等线 Light"/>
+        <a:font script="Hant" typeface="新細明體"/>
+        <a:font script="Arab" typeface="Times New Roman"/>
+        <a:font script="Hebr" typeface="Times New Roman"/>
+        <a:font script="Thai" typeface="Angsana New"/>
+        <a:font script="Ethi" typeface="Nyala"/>
+        <a:font script="Beng" typeface="Vrinda"/>
+        <a:font script="Gujr" typeface="Shruti"/>
+        <a:font script="Khmr" typeface="MoolBoran"/>
+        <a:font script="Knda" typeface="Tunga"/>
+        <a:font script="Guru" typeface="Raavi"/>
+        <a:font script="Cans" typeface="Euphemia"/>
+        <a:font script="Cher" typeface="Plantagenet Cherokee"/>
+        <a:font script="Yiii" typeface="Microsoft Yi Baiti"/>
+        <a:font script="Tibt" typeface="Microsoft Himalaya"/>
+        <a:font script="Thaa" typeface="MV Boli"/>
+        <a:font script="Deva" typeface="Mangal"/>
+        <a:font script="Telu" typeface="Gautami"/>
+        <a:font script="Taml" typeface="Latha"/>
+        <a:font script="Syrc" typeface="Estrangelo Edessa"/>
+        <a:font script="Orya" typeface="Kalinga"/>
+        <a:font script="Mlym" typeface="Kartika"/>
+        <a:font script="Laoo" typeface="DokChampa"/>
+        <a:font script="Sinh" typeface="Iskoola Pota"/>
+        <a:font script="Mong" typeface="Mongolian Baiti"/>
+        <a:font script="Viet" typeface="Times New Roman"/>
+        <a:font script="Uigh" typeface="Microsoft Uighur"/>
+        <a:font script="Geor" typeface="Sylfaen"/>
+        <a:font script="Armn" typeface="Arial"/>
+        <a:font script="Bugi" typeface="Leelawadee UI"/>
+        <a:font script="Bopo" typeface="Microsoft JhengHei"/>
+        <a:font script="Java" typeface="Javanese Text"/>
+        <a:font script="Lisu" typeface="Segoe UI"/>
+        <a:font script="Mymr" typeface="Myanmar Text"/>
+        <a:font script="Nkoo" typeface="Ebrima"/>
+        <a:font script="Olck" typeface="Nirmala UI"/>
+        <a:font script="Osma" typeface="Ebrima"/>
+        <a:font script="Phag" typeface="Phagspa"/>
+        <a:font script="Syrn" typeface="Estrangelo Edessa"/>
+        <a:font script="Syrj" typeface="Estrangelo Edessa"/>
+        <a:font script="Syre" typeface="Estrangelo Edessa"/>
+        <a:font script="Sora" typeface="Nirmala UI"/>
+        <a:font script="Tale" typeface="Microsoft Tai Le"/>
+        <a:font script="Talu" typeface="Microsoft New Tai Lue"/>
+        <a:font script="Tfng" typeface="Ebrima"/>
+      </a:majorFont>
+      <a:minorFont>
+        <a:latin typeface="Calibri" panose="020F0502020204030204"/>
+        <a:ea typeface=""/>
+        <a:cs typeface=""/>
+        <a:font script="Jpan" typeface="游ゴシック"/>
+        <a:font script="Hang" typeface="맑은 고딕"/>
+        <a:font script="Hans" typeface="等线"/>
+        <a:font script="Hant" typeface="新細明體"/>
+        <a:font script="Arab" typeface="Arial"/>
+        <a:font script="Hebr" typeface="Arial"/>
+        <a:font script="Thai" typeface="Cordia New"/>
+        <a:font script="Ethi" typeface="Nyala"/>
+        <a:font script="Beng" typeface="Vrinda"/>
+        <a:font script="Gujr" typeface="Shruti"/>
+        <a:font script="Khmr" typeface="DaunPenh"/>
+        <a:font script="Knda" typeface="Tunga"/>
+        <a:font script="Guru" typeface="Raavi"/>
+        <a:font script="Cans" typeface="Euphemia"/>
+        <a:font script="Cher" typeface="Plantagenet Cherokee"/>
+        <a:font script="Yiii" typeface="Microsoft Yi Baiti"/>
+        <a:font script="Tibt" typeface="Microsoft Himalaya"/>
+        <a:font script="Thaa" typeface="MV Boli"/>
+        <a:font script="Deva" typeface="Mangal"/>
+        <a:font script="Telu" typeface="Gautami"/>
+        <a:font script="Taml" typeface="Latha"/>
+        <a:font script="Syrc" typeface="Estrangelo Edessa"/>
+        <a:font script="Orya" typeface="Kalinga"/>
+        <a:font script="Mlym" typeface="Kartika"/>
+        <a:font script="Laoo" typeface="DokChampa"/>
+        <a:font script="Sinh" typeface="Iskoola Pota"/>
+        <a:font script="Mong" typeface="Mongolian Baiti"/>
+        <a:font script="Viet" typeface="Arial"/>
+        <a:font script="Uigh" typeface="Microsoft Uighur"/>
+        <a:font script="Geor" typeface="Sylfaen"/>
+        <a:font script="Armn" typeface="Arial"/>
+        <a:font script="Bugi" typeface="Leelawadee UI"/>
+        <a:font script="Bopo" typeface="Microsoft JhengHei"/>
+        <a:font script="Java" typeface="Javanese Text"/>
+        <a:font script="Lisu" typeface="Segoe UI"/>
+        <a:font script="Mymr" typeface="Myanmar Text"/>
+        <a:font script="Nkoo" typeface="Ebrima"/>
+        <a:font script="Olck" typeface="Nirmala UI"/>
+        <a:font script="Osma" typeface="Ebrima"/>
+        <a:font script="Phag" typeface="Phagspa"/>
+        <a:font script="Syrn" typeface="Estrangelo Edessa"/>
+        <a:font script="Syrj" typeface="Estrangelo Edessa"/>
+        <a:font script="Syre" typeface="Estrangelo Edessa"/>
+        <a:font script="Sora" typeface="Nirmala UI"/>
+        <a:font script="Tale" typeface="Microsoft Tai Le"/>
+        <a:font script="Talu" typeface="Microsoft New Tai Lue"/>
+        <a:font script="Tfng" typeface="Ebrima"/>
+      </a:minorFont>
+    </a:fontScheme>
+    <a:fmtScheme name="Office">
+      <a:fillStyleLst>
+        <a:solidFill>
+          <a:schemeClr val="phClr"/>
+        </a:solidFill>
+        <a:gradFill rotWithShape="1">
+          <a:gsLst>
+            <a:gs pos="0">
+              <a:schemeClr val="phClr">
+                <a:lumMod val="110000"/>
+                <a:satMod val="105000"/>
+                <a:tint val="67000"/>
+              </a:schemeClr>
+            </a:gs>
+            <a:gs pos="50000">
+              <a:schemeClr val="phClr">
+                <a:lumMod val="105000"/>
+                <a:satMod val="103000"/>
+                <a:tint val="73000"/>
+              </a:schemeClr>
+            </a:gs>
+            <a:gs pos="100000">
+              <a:schemeClr val="phClr">
+                <a:lumMod val="105000"/>
+                <a:satMod val="109000"/>
+                <a:tint val="81000"/>
+              </a:schemeClr>
+            </a:gs>
+          </a:gsLst>
+          <a:lin ang="5400000" scaled="0"/>
+        </a:gradFill>
+        <a:gradFill rotWithShape="1">
+          <a:gsLst>
+            <a:gs pos="0">
+              <a:schemeClr val="phClr">
+                <a:satMod val="103000"/>
+                <a:lumMod val="102000"/>
+                <a:tint val="94000"/>
+              </a:schemeClr>
+            </a:gs>
+            <a:gs pos="50000">
+              <a:schemeClr val="phClr">
+                <a:satMod val="110000"/>
+                <a:lumMod val="100000"/>
+                <a:shade val="100000"/>
+              </a:schemeClr>
+            </a:gs>
+            <a:gs pos="100000">
+              <a:schemeClr val="phClr">
+                <a:lumMod val="99000"/>
+                <a:satMod val="120000"/>
+                <a:shade val="78000"/>
+              </a:schemeClr>
+            </a:gs>
+          </a:gsLst>
+          <a:lin ang="5400000" scaled="0"/>
+        </a:gradFill>
+      </a:fillStyleLst>
+      <a:lnStyleLst>
+        <a:ln w="6350" cap="flat" cmpd="sng" algn="ctr">
+          <a:solidFill>
+            <a:schemeClr val="phClr"/>
+          </a:solidFill>
+          <a:prstDash val="solid"/>
+          <a:miter lim="800000"/>
+        </a:ln>
+        <a:ln w="12700" cap="flat" cmpd="sng" algn="ctr">
+          <a:solidFill>
+            <a:schemeClr val="phClr"/>
+          </a:solidFill>
+          <a:prstDash val="solid"/>
+          <a:miter lim="800000"/>
+        </a:ln>
+        <a:ln w="19050" cap="flat" cmpd="sng" algn="ctr">
+          <a:solidFill>
+            <a:schemeClr val="phClr"/>
+          </a:solidFill>
+          <a:prstDash val="solid"/>
+          <a:miter lim="800000"/>
+        </a:ln>
+      </a:lnStyleLst>
+      <a:effectStyleLst>
+        <a:effectStyle>
+          <a:effectLst/>
+        </a:effectStyle>
+        <a:effectStyle>
+          <a:effectLst/>
+        </a:effectStyle>
+        <a:effectStyle>
+          <a:effectLst>
+            <a:outerShdw blurRad="57150" dist="19050" dir="5400000" algn="ctr" rotWithShape="0">
+              <a:srgbClr val="000000">
+                <a:alpha val="63000"/>
+              </a:srgbClr>
+            </a:outerShdw>
+          </a:effectLst>
+        </a:effectStyle>
+      </a:effectStyleLst>
+      <a:bgFillStyleLst>
+        <a:solidFill>
+          <a:schemeClr val="phClr"/>
+        </a:solidFill>
+        <a:solidFill>
+          <a:schemeClr val="phClr">
+            <a:tint val="95000"/>
+            <a:satMod val="170000"/>
+          </a:schemeClr>
+        </a:solidFill>
+        <a:gradFill rotWithShape="1">
+          <a:gsLst>
+            <a:gs pos="0">
+              <a:schemeClr val="phClr">
+                <a:tint val="93000"/>
+                <a:satMod val="150000"/>
+                <a:shade val="98000"/>
+                <a:lumMod val="102000"/>
+              </a:schemeClr>
+            </a:gs>
+            <a:gs pos="50000">
+              <a:schemeClr val="phClr">
+                <a:tint val="98000"/>
+                <a:satMod val="130000"/>
+                <a:shade val="90000"/>
+                <a:lumMod val="103000"/>
+              </a:schemeClr>
+            </a:gs>
+            <a:gs pos="100000">
+              <a:schemeClr val="phClr">
+                <a:shade val="63000"/>
+                <a:satMod val="120000"/>
+              </a:schemeClr>
+            </a:gs>
+          </a:gsLst>
+          <a:lin ang="5400000" scaled="0"/>
+        </a:gradFill>
+      </a:bgFillStyleLst>
+    </a:fmtScheme>
+  </a:themeElements>
+  <a:objectDefaults/>
+  <a:extraClrSchemeLst/>
+  <a:extLst>
+    <a:ext uri="{05A4C25C-085E-4340-85A3-A5531E510DB2}">
+      <thm15:themeFamily xmlns:thm15="http://schemas.microsoft.com/office/thememl/2012/main" name="Office Theme" id="{62F939B6-93AF-4DB8-9C6B-D6C7DFDC589F}" vid="{4A3C46E8-61CC-4603-A589-7422A47A8E4A}"/>
+    </a:ext>
+  </a:extLst>
+</a:theme>
 </file>
--- a/docs/presentation/Drug Discovery and Design.pptx
+++ b/docs/presentation/Drug Discovery and Design.pptx
@@ -5,7 +5,7 @@
     <p:sldMasterId id="2147483648" r:id="rId1"/>
   </p:sldMasterIdLst>
   <p:notesMasterIdLst>
-    <p:notesMasterId r:id="rId15"/>
+    <p:notesMasterId r:id="rId16"/>
   </p:notesMasterIdLst>
   <p:sldIdLst>
     <p:sldId id="256" r:id="rId2"/>
@@ -14,13 +14,14 @@
     <p:sldId id="266" r:id="rId5"/>
     <p:sldId id="258" r:id="rId6"/>
     <p:sldId id="268" r:id="rId7"/>
-    <p:sldId id="259" r:id="rId8"/>
-    <p:sldId id="260" r:id="rId9"/>
-    <p:sldId id="261" r:id="rId10"/>
-    <p:sldId id="262" r:id="rId11"/>
-    <p:sldId id="263" r:id="rId12"/>
-    <p:sldId id="264" r:id="rId13"/>
-    <p:sldId id="265" r:id="rId14"/>
+    <p:sldId id="269" r:id="rId8"/>
+    <p:sldId id="259" r:id="rId9"/>
+    <p:sldId id="260" r:id="rId10"/>
+    <p:sldId id="261" r:id="rId11"/>
+    <p:sldId id="262" r:id="rId12"/>
+    <p:sldId id="263" r:id="rId13"/>
+    <p:sldId id="264" r:id="rId14"/>
+    <p:sldId id="265" r:id="rId15"/>
   </p:sldIdLst>
   <p:sldSz cx="12192000" cy="6858000"/>
   <p:notesSz cx="6858000" cy="9144000"/>
@@ -4221,7 +4222,7 @@
           <p:cNvPr id="2" name="Title 1">
             <a:extLst>
               <a:ext uri="{FF2B5EF4-FFF2-40B4-BE49-F238E27FC236}">
-                <a16:creationId xmlns:a16="http://schemas.microsoft.com/office/drawing/2014/main" id="{65C31193-3C18-9E4E-BDF3-17B640A661AD}"/>
+                <a16:creationId xmlns:a16="http://schemas.microsoft.com/office/drawing/2014/main" id="{09FF96B0-E02D-DD41-AB1A-68B31DCFB5A8}"/>
               </a:ext>
             </a:extLst>
           </p:cNvPr>
@@ -4239,7 +4240,7 @@
           <a:p>
             <a:r>
               <a:rPr lang="en-US" dirty="0"/>
-              <a:t>Virtual Screening and Hit Identification</a:t>
+              <a:t>Model Validation and Evaluation</a:t>
             </a:r>
           </a:p>
         </p:txBody>
@@ -4249,7 +4250,7 @@
           <p:cNvPr id="3" name="Content Placeholder 2">
             <a:extLst>
               <a:ext uri="{FF2B5EF4-FFF2-40B4-BE49-F238E27FC236}">
-                <a16:creationId xmlns:a16="http://schemas.microsoft.com/office/drawing/2014/main" id="{97C238E4-D82D-7D4E-8DB5-91A5586D3372}"/>
+                <a16:creationId xmlns:a16="http://schemas.microsoft.com/office/drawing/2014/main" id="{2AB5B936-296B-8D4F-B14E-AF14ECDE37A5}"/>
               </a:ext>
             </a:extLst>
           </p:cNvPr>
@@ -4267,13 +4268,13 @@
           <a:p>
             <a:r>
               <a:rPr lang="en-US" dirty="0"/>
-              <a:t>Describe the Virtual Screening Process</a:t>
-            </a:r>
-          </a:p>
-          <a:p>
-            <a:r>
-              <a:rPr lang="en-US" dirty="0"/>
-              <a:t>Present identified hits and prioritization methods</a:t>
+              <a:t>Explain the Validation Techniques Used</a:t>
+            </a:r>
+          </a:p>
+          <a:p>
+            <a:r>
+              <a:rPr lang="en-US" dirty="0"/>
+              <a:t>Present Performance Metrics and Model Comparisons</a:t>
             </a:r>
           </a:p>
         </p:txBody>
@@ -4281,7 +4282,7 @@
     </p:spTree>
     <p:extLst>
       <p:ext uri="{BB962C8B-B14F-4D97-AF65-F5344CB8AC3E}">
-        <p14:creationId xmlns:p14="http://schemas.microsoft.com/office/powerpoint/2010/main" val="2139591373"/>
+        <p14:creationId xmlns:p14="http://schemas.microsoft.com/office/powerpoint/2010/main" val="4276584179"/>
       </p:ext>
     </p:extLst>
   </p:cSld>
@@ -4313,7 +4314,7 @@
           <p:cNvPr id="2" name="Title 1">
             <a:extLst>
               <a:ext uri="{FF2B5EF4-FFF2-40B4-BE49-F238E27FC236}">
-                <a16:creationId xmlns:a16="http://schemas.microsoft.com/office/drawing/2014/main" id="{0C292C99-FA2F-A845-8E4B-880E1F7ADFE1}"/>
+                <a16:creationId xmlns:a16="http://schemas.microsoft.com/office/drawing/2014/main" id="{65C31193-3C18-9E4E-BDF3-17B640A661AD}"/>
               </a:ext>
             </a:extLst>
           </p:cNvPr>
@@ -4331,7 +4332,7 @@
           <a:p>
             <a:r>
               <a:rPr lang="en-US" dirty="0"/>
-              <a:t>Hit-to-Lead Optimization</a:t>
+              <a:t>Virtual Screening and Hit Identification</a:t>
             </a:r>
           </a:p>
         </p:txBody>
@@ -4341,7 +4342,7 @@
           <p:cNvPr id="3" name="Content Placeholder 2">
             <a:extLst>
               <a:ext uri="{FF2B5EF4-FFF2-40B4-BE49-F238E27FC236}">
-                <a16:creationId xmlns:a16="http://schemas.microsoft.com/office/drawing/2014/main" id="{A192CDC1-CB26-554C-992A-6B9FEB86C9B6}"/>
+                <a16:creationId xmlns:a16="http://schemas.microsoft.com/office/drawing/2014/main" id="{97C238E4-D82D-7D4E-8DB5-91A5586D3372}"/>
               </a:ext>
             </a:extLst>
           </p:cNvPr>
@@ -4359,13 +4360,13 @@
           <a:p>
             <a:r>
               <a:rPr lang="en-US" dirty="0"/>
-              <a:t>Explain Optimization Strategies for hit-to-lead and lead molecules</a:t>
-            </a:r>
-          </a:p>
-          <a:p>
-            <a:r>
-              <a:rPr lang="en-US" dirty="0"/>
-              <a:t>Present some examples of optimized compounds</a:t>
+              <a:t>Describe the Virtual Screening Process</a:t>
+            </a:r>
+          </a:p>
+          <a:p>
+            <a:r>
+              <a:rPr lang="en-US" dirty="0"/>
+              <a:t>Present identified hits and prioritization methods</a:t>
             </a:r>
           </a:p>
         </p:txBody>
@@ -4373,7 +4374,7 @@
     </p:spTree>
     <p:extLst>
       <p:ext uri="{BB962C8B-B14F-4D97-AF65-F5344CB8AC3E}">
-        <p14:creationId xmlns:p14="http://schemas.microsoft.com/office/powerpoint/2010/main" val="1018970548"/>
+        <p14:creationId xmlns:p14="http://schemas.microsoft.com/office/powerpoint/2010/main" val="2139591373"/>
       </p:ext>
     </p:extLst>
   </p:cSld>
@@ -4405,6 +4406,98 @@
           <p:cNvPr id="2" name="Title 1">
             <a:extLst>
               <a:ext uri="{FF2B5EF4-FFF2-40B4-BE49-F238E27FC236}">
+                <a16:creationId xmlns:a16="http://schemas.microsoft.com/office/drawing/2014/main" id="{0C292C99-FA2F-A845-8E4B-880E1F7ADFE1}"/>
+              </a:ext>
+            </a:extLst>
+          </p:cNvPr>
+          <p:cNvSpPr>
+            <a:spLocks noGrp="1"/>
+          </p:cNvSpPr>
+          <p:nvPr>
+            <p:ph type="title"/>
+          </p:nvPr>
+        </p:nvSpPr>
+        <p:spPr/>
+        <p:txBody>
+          <a:bodyPr/>
+          <a:lstStyle/>
+          <a:p>
+            <a:r>
+              <a:rPr lang="en-US" dirty="0"/>
+              <a:t>Hit-to-Lead Optimization</a:t>
+            </a:r>
+          </a:p>
+        </p:txBody>
+      </p:sp>
+      <p:sp>
+        <p:nvSpPr>
+          <p:cNvPr id="3" name="Content Placeholder 2">
+            <a:extLst>
+              <a:ext uri="{FF2B5EF4-FFF2-40B4-BE49-F238E27FC236}">
+                <a16:creationId xmlns:a16="http://schemas.microsoft.com/office/drawing/2014/main" id="{A192CDC1-CB26-554C-992A-6B9FEB86C9B6}"/>
+              </a:ext>
+            </a:extLst>
+          </p:cNvPr>
+          <p:cNvSpPr>
+            <a:spLocks noGrp="1"/>
+          </p:cNvSpPr>
+          <p:nvPr>
+            <p:ph idx="1"/>
+          </p:nvPr>
+        </p:nvSpPr>
+        <p:spPr/>
+        <p:txBody>
+          <a:bodyPr/>
+          <a:lstStyle/>
+          <a:p>
+            <a:r>
+              <a:rPr lang="en-US" dirty="0"/>
+              <a:t>Explain Optimization Strategies for hit-to-lead and lead molecules</a:t>
+            </a:r>
+          </a:p>
+          <a:p>
+            <a:r>
+              <a:rPr lang="en-US" dirty="0"/>
+              <a:t>Present some examples of optimized compounds</a:t>
+            </a:r>
+          </a:p>
+        </p:txBody>
+      </p:sp>
+    </p:spTree>
+    <p:extLst>
+      <p:ext uri="{BB962C8B-B14F-4D97-AF65-F5344CB8AC3E}">
+        <p14:creationId xmlns:p14="http://schemas.microsoft.com/office/powerpoint/2010/main" val="1018970548"/>
+      </p:ext>
+    </p:extLst>
+  </p:cSld>
+  <p:clrMapOvr>
+    <a:masterClrMapping/>
+  </p:clrMapOvr>
+</p:sld>
+</file>
+
+<file path=ppt/slides/slide13.xml><?xml version="1.0" encoding="utf-8"?>
+<p:sld xmlns:a="http://schemas.openxmlformats.org/drawingml/2006/main" xmlns:r="http://schemas.openxmlformats.org/officeDocument/2006/relationships" xmlns:p="http://schemas.openxmlformats.org/presentationml/2006/main">
+  <p:cSld>
+    <p:spTree>
+      <p:nvGrpSpPr>
+        <p:cNvPr id="1" name=""/>
+        <p:cNvGrpSpPr/>
+        <p:nvPr/>
+      </p:nvGrpSpPr>
+      <p:grpSpPr>
+        <a:xfrm>
+          <a:off x="0" y="0"/>
+          <a:ext cx="0" cy="0"/>
+          <a:chOff x="0" y="0"/>
+          <a:chExt cx="0" cy="0"/>
+        </a:xfrm>
+      </p:grpSpPr>
+      <p:sp>
+        <p:nvSpPr>
+          <p:cNvPr id="2" name="Title 1">
+            <a:extLst>
+              <a:ext uri="{FF2B5EF4-FFF2-40B4-BE49-F238E27FC236}">
                 <a16:creationId xmlns:a16="http://schemas.microsoft.com/office/drawing/2014/main" id="{5CEC9E7A-11F5-0646-93A6-BD6518C625FA}"/>
               </a:ext>
             </a:extLst>
@@ -4475,7 +4568,7 @@
 </p:sld>
 </file>
 
-<file path=ppt/slides/slide13.xml><?xml version="1.0" encoding="utf-8"?>
+<file path=ppt/slides/slide14.xml><?xml version="1.0" encoding="utf-8"?>
 <p:sld xmlns:a="http://schemas.openxmlformats.org/drawingml/2006/main" xmlns:r="http://schemas.openxmlformats.org/officeDocument/2006/relationships" xmlns:p="http://schemas.openxmlformats.org/presentationml/2006/main">
   <p:cSld>
     <p:spTree>
@@ -5227,7 +5320,7 @@
           <p:cNvPr id="2" name="Title 1">
             <a:extLst>
               <a:ext uri="{FF2B5EF4-FFF2-40B4-BE49-F238E27FC236}">
-                <a16:creationId xmlns:a16="http://schemas.microsoft.com/office/drawing/2014/main" id="{5AD0746A-1D5D-9A4A-B0F7-5F9284E8B799}"/>
+                <a16:creationId xmlns:a16="http://schemas.microsoft.com/office/drawing/2014/main" id="{1795CBB6-144C-8548-93C8-8F6AB49781E4}"/>
               </a:ext>
             </a:extLst>
           </p:cNvPr>
@@ -5245,49 +5338,45 @@
           <a:p>
             <a:r>
               <a:rPr lang="en-US" dirty="0"/>
-              <a:t>Data Collection and Preprocessing</a:t>
-            </a:r>
-          </a:p>
-        </p:txBody>
-      </p:sp>
-      <p:sp>
-        <p:nvSpPr>
-          <p:cNvPr id="3" name="Content Placeholder 2">
-            <a:extLst>
-              <a:ext uri="{FF2B5EF4-FFF2-40B4-BE49-F238E27FC236}">
-                <a16:creationId xmlns:a16="http://schemas.microsoft.com/office/drawing/2014/main" id="{3CB48E5B-E75F-A647-8A3E-08BA6B724A6A}"/>
-              </a:ext>
-            </a:extLst>
-          </p:cNvPr>
-          <p:cNvSpPr>
-            <a:spLocks noGrp="1"/>
-          </p:cNvSpPr>
-          <p:nvPr>
-            <p:ph idx="1"/>
-          </p:nvPr>
-        </p:nvSpPr>
-        <p:spPr/>
-        <p:txBody>
-          <a:bodyPr/>
-          <a:lstStyle/>
-          <a:p>
-            <a:r>
-              <a:rPr lang="en-US" dirty="0"/>
-              <a:t>List of data sources</a:t>
-            </a:r>
-          </a:p>
-          <a:p>
-            <a:r>
-              <a:rPr lang="en-US" dirty="0"/>
-              <a:t>Preprocessing steps</a:t>
-            </a:r>
-          </a:p>
-        </p:txBody>
-      </p:sp>
+              <a:t>Flowchart</a:t>
+            </a:r>
+          </a:p>
+        </p:txBody>
+      </p:sp>
+      <p:pic>
+        <p:nvPicPr>
+          <p:cNvPr id="7" name="Picture 6">
+            <a:extLst>
+              <a:ext uri="{FF2B5EF4-FFF2-40B4-BE49-F238E27FC236}">
+                <a16:creationId xmlns:a16="http://schemas.microsoft.com/office/drawing/2014/main" id="{BB415E9B-C157-DD44-94A9-FB5F186CD6B3}"/>
+              </a:ext>
+            </a:extLst>
+          </p:cNvPr>
+          <p:cNvPicPr>
+            <a:picLocks noChangeAspect="1"/>
+          </p:cNvPicPr>
+          <p:nvPr/>
+        </p:nvPicPr>
+        <p:blipFill>
+          <a:blip r:embed="rId2"/>
+          <a:stretch>
+            <a:fillRect/>
+          </a:stretch>
+        </p:blipFill>
+        <p:spPr>
+          <a:xfrm>
+            <a:off x="3343991" y="0"/>
+            <a:ext cx="8848009" cy="6858000"/>
+          </a:xfrm>
+          <a:prstGeom prst="rect">
+            <a:avLst/>
+          </a:prstGeom>
+        </p:spPr>
+      </p:pic>
     </p:spTree>
     <p:extLst>
       <p:ext uri="{BB962C8B-B14F-4D97-AF65-F5344CB8AC3E}">
-        <p14:creationId xmlns:p14="http://schemas.microsoft.com/office/powerpoint/2010/main" val="1366323848"/>
+        <p14:creationId xmlns:p14="http://schemas.microsoft.com/office/powerpoint/2010/main" val="1221613756"/>
       </p:ext>
     </p:extLst>
   </p:cSld>
@@ -5319,7 +5408,7 @@
           <p:cNvPr id="2" name="Title 1">
             <a:extLst>
               <a:ext uri="{FF2B5EF4-FFF2-40B4-BE49-F238E27FC236}">
-                <a16:creationId xmlns:a16="http://schemas.microsoft.com/office/drawing/2014/main" id="{B9FB0052-9485-EF4D-B442-96A4D80803B3}"/>
+                <a16:creationId xmlns:a16="http://schemas.microsoft.com/office/drawing/2014/main" id="{5AD0746A-1D5D-9A4A-B0F7-5F9284E8B799}"/>
               </a:ext>
             </a:extLst>
           </p:cNvPr>
@@ -5337,7 +5426,7 @@
           <a:p>
             <a:r>
               <a:rPr lang="en-US" dirty="0"/>
-              <a:t>Model Development</a:t>
+              <a:t>Data Collection and Preprocessing</a:t>
             </a:r>
           </a:p>
         </p:txBody>
@@ -5347,7 +5436,7 @@
           <p:cNvPr id="3" name="Content Placeholder 2">
             <a:extLst>
               <a:ext uri="{FF2B5EF4-FFF2-40B4-BE49-F238E27FC236}">
-                <a16:creationId xmlns:a16="http://schemas.microsoft.com/office/drawing/2014/main" id="{65D1EAE2-5911-B34F-AC78-794E9FF51F74}"/>
+                <a16:creationId xmlns:a16="http://schemas.microsoft.com/office/drawing/2014/main" id="{3CB48E5B-E75F-A647-8A3E-08BA6B724A6A}"/>
               </a:ext>
             </a:extLst>
           </p:cNvPr>
@@ -5365,13 +5454,13 @@
           <a:p>
             <a:r>
               <a:rPr lang="en-US" dirty="0"/>
-              <a:t>Describe types of models used</a:t>
-            </a:r>
-          </a:p>
-          <a:p>
-            <a:r>
-              <a:rPr lang="en-US" dirty="0"/>
-              <a:t>Specific Algorithms and why they were chosen</a:t>
+              <a:t>List of data sources</a:t>
+            </a:r>
+          </a:p>
+          <a:p>
+            <a:r>
+              <a:rPr lang="en-US" dirty="0"/>
+              <a:t>Preprocessing steps</a:t>
             </a:r>
           </a:p>
         </p:txBody>
@@ -5379,7 +5468,7 @@
     </p:spTree>
     <p:extLst>
       <p:ext uri="{BB962C8B-B14F-4D97-AF65-F5344CB8AC3E}">
-        <p14:creationId xmlns:p14="http://schemas.microsoft.com/office/powerpoint/2010/main" val="1898340868"/>
+        <p14:creationId xmlns:p14="http://schemas.microsoft.com/office/powerpoint/2010/main" val="1366323848"/>
       </p:ext>
     </p:extLst>
   </p:cSld>
@@ -5411,7 +5500,7 @@
           <p:cNvPr id="2" name="Title 1">
             <a:extLst>
               <a:ext uri="{FF2B5EF4-FFF2-40B4-BE49-F238E27FC236}">
-                <a16:creationId xmlns:a16="http://schemas.microsoft.com/office/drawing/2014/main" id="{09FF96B0-E02D-DD41-AB1A-68B31DCFB5A8}"/>
+                <a16:creationId xmlns:a16="http://schemas.microsoft.com/office/drawing/2014/main" id="{B9FB0052-9485-EF4D-B442-96A4D80803B3}"/>
               </a:ext>
             </a:extLst>
           </p:cNvPr>
@@ -5429,7 +5518,7 @@
           <a:p>
             <a:r>
               <a:rPr lang="en-US" dirty="0"/>
-              <a:t>Model Validation and Evaluation</a:t>
+              <a:t>Model Development</a:t>
             </a:r>
           </a:p>
         </p:txBody>
@@ -5439,7 +5528,7 @@
           <p:cNvPr id="3" name="Content Placeholder 2">
             <a:extLst>
               <a:ext uri="{FF2B5EF4-FFF2-40B4-BE49-F238E27FC236}">
-                <a16:creationId xmlns:a16="http://schemas.microsoft.com/office/drawing/2014/main" id="{2AB5B936-296B-8D4F-B14E-AF14ECDE37A5}"/>
+                <a16:creationId xmlns:a16="http://schemas.microsoft.com/office/drawing/2014/main" id="{65D1EAE2-5911-B34F-AC78-794E9FF51F74}"/>
               </a:ext>
             </a:extLst>
           </p:cNvPr>
@@ -5457,13 +5546,13 @@
           <a:p>
             <a:r>
               <a:rPr lang="en-US" dirty="0"/>
-              <a:t>Explain the Validation Techniques Used</a:t>
-            </a:r>
-          </a:p>
-          <a:p>
-            <a:r>
-              <a:rPr lang="en-US" dirty="0"/>
-              <a:t>Present Performance Metrics and Model Comparisons</a:t>
+              <a:t>Describe types of models used</a:t>
+            </a:r>
+          </a:p>
+          <a:p>
+            <a:r>
+              <a:rPr lang="en-US" dirty="0"/>
+              <a:t>Specific Algorithms and why they were chosen</a:t>
             </a:r>
           </a:p>
         </p:txBody>
@@ -5471,7 +5560,7 @@
     </p:spTree>
     <p:extLst>
       <p:ext uri="{BB962C8B-B14F-4D97-AF65-F5344CB8AC3E}">
-        <p14:creationId xmlns:p14="http://schemas.microsoft.com/office/powerpoint/2010/main" val="4276584179"/>
+        <p14:creationId xmlns:p14="http://schemas.microsoft.com/office/powerpoint/2010/main" val="1898340868"/>
       </p:ext>
     </p:extLst>
   </p:cSld>

--- a/docs/presentation/Drug Discovery and Design.pptx
+++ b/docs/presentation/Drug Discovery and Design.pptx
@@ -1,6 +1,6 @@
 
 <file path=ppt/presentation.xml><?xml version="1.0" encoding="utf-8"?>
-<p:presentation xmlns:a="http://schemas.openxmlformats.org/drawingml/2006/main" xmlns:r="http://schemas.openxmlformats.org/officeDocument/2006/relationships" xmlns:p="http://schemas.openxmlformats.org/presentationml/2006/main" saveSubsetFonts="1" autoCompressPictures="0">
+<p:presentation xmlns:a="http://schemas.openxmlformats.org/drawingml/2006/main" xmlns:r="http://schemas.openxmlformats.org/officeDocument/2006/relationships" xmlns:p="http://schemas.openxmlformats.org/presentationml/2006/main" showSpecialPlsOnTitleSld="0" saveSubsetFonts="1" autoCompressPictures="0">
   <p:sldMasterIdLst>
     <p:sldMasterId id="2147483648" r:id="rId1"/>
   </p:sldMasterIdLst>
@@ -120,6 +120,11 @@
       </a:defRPr>
     </a:lvl9pPr>
   </p:defaultTextStyle>
+  <p:extLst>
+    <p:ext uri="{EFAFB233-063F-42B5-8137-9DF3F51BA10A}">
+      <p15:sldGuideLst xmlns:p15="http://schemas.microsoft.com/office/powerpoint/2012/main"/>
+    </p:ext>
+  </p:extLst>
 </p:presentation>
 </file>
 
@@ -205,7 +210,7 @@
           <a:p>
             <a:fld id="{E50074FF-88D7-4649-86BE-210F10C57590}" type="datetimeFigureOut">
               <a:rPr lang="en-US" smtClean="0"/>
-              <a:t>3/28/23</a:t>
+              <a:t>3/30/23</a:t>
             </a:fld>
             <a:endParaRPr lang="en-US"/>
           </a:p>
@@ -1062,9 +1067,9 @@
           <a:bodyPr/>
           <a:lstStyle/>
           <a:p>
-            <a:fld id="{A8E5745A-026C-9145-AB0F-0ED0DE8C4042}" type="datetimeFigureOut">
+            <a:fld id="{D6F65F5A-AE45-BB4A-8391-ABF6838FB280}" type="datetime1">
               <a:rPr lang="en-US" smtClean="0"/>
-              <a:t>3/28/23</a:t>
+              <a:t>3/30/23</a:t>
             </a:fld>
             <a:endParaRPr lang="en-US"/>
           </a:p>
@@ -1260,9 +1265,9 @@
           <a:bodyPr/>
           <a:lstStyle/>
           <a:p>
-            <a:fld id="{A8E5745A-026C-9145-AB0F-0ED0DE8C4042}" type="datetimeFigureOut">
+            <a:fld id="{08E03DDA-D55D-6B48-94EB-0A11FF03F425}" type="datetime1">
               <a:rPr lang="en-US" smtClean="0"/>
-              <a:t>3/28/23</a:t>
+              <a:t>3/30/23</a:t>
             </a:fld>
             <a:endParaRPr lang="en-US"/>
           </a:p>
@@ -1468,9 +1473,9 @@
           <a:bodyPr/>
           <a:lstStyle/>
           <a:p>
-            <a:fld id="{A8E5745A-026C-9145-AB0F-0ED0DE8C4042}" type="datetimeFigureOut">
+            <a:fld id="{3597EA0E-E627-3847-92DB-11CFB8263300}" type="datetime1">
               <a:rPr lang="en-US" smtClean="0"/>
-              <a:t>3/28/23</a:t>
+              <a:t>3/30/23</a:t>
             </a:fld>
             <a:endParaRPr lang="en-US"/>
           </a:p>
@@ -1666,9 +1671,9 @@
           <a:bodyPr/>
           <a:lstStyle/>
           <a:p>
-            <a:fld id="{A8E5745A-026C-9145-AB0F-0ED0DE8C4042}" type="datetimeFigureOut">
+            <a:fld id="{9AF06371-B5E2-F244-A594-7617269AD4D6}" type="datetime1">
               <a:rPr lang="en-US" smtClean="0"/>
-              <a:t>3/28/23</a:t>
+              <a:t>3/30/23</a:t>
             </a:fld>
             <a:endParaRPr lang="en-US"/>
           </a:p>
@@ -1941,9 +1946,9 @@
           <a:bodyPr/>
           <a:lstStyle/>
           <a:p>
-            <a:fld id="{A8E5745A-026C-9145-AB0F-0ED0DE8C4042}" type="datetimeFigureOut">
+            <a:fld id="{202A3651-B651-4F4D-B6A1-C7759721C3F6}" type="datetime1">
               <a:rPr lang="en-US" smtClean="0"/>
-              <a:t>3/28/23</a:t>
+              <a:t>3/30/23</a:t>
             </a:fld>
             <a:endParaRPr lang="en-US"/>
           </a:p>
@@ -2206,9 +2211,9 @@
           <a:bodyPr/>
           <a:lstStyle/>
           <a:p>
-            <a:fld id="{A8E5745A-026C-9145-AB0F-0ED0DE8C4042}" type="datetimeFigureOut">
+            <a:fld id="{2C821DE3-4256-5F4F-8B39-6E67193DFE78}" type="datetime1">
               <a:rPr lang="en-US" smtClean="0"/>
-              <a:t>3/28/23</a:t>
+              <a:t>3/30/23</a:t>
             </a:fld>
             <a:endParaRPr lang="en-US"/>
           </a:p>
@@ -2618,9 +2623,9 @@
           <a:bodyPr/>
           <a:lstStyle/>
           <a:p>
-            <a:fld id="{A8E5745A-026C-9145-AB0F-0ED0DE8C4042}" type="datetimeFigureOut">
+            <a:fld id="{B25360E6-8449-854C-B96A-31EC4C39B9F3}" type="datetime1">
               <a:rPr lang="en-US" smtClean="0"/>
-              <a:t>3/28/23</a:t>
+              <a:t>3/30/23</a:t>
             </a:fld>
             <a:endParaRPr lang="en-US"/>
           </a:p>
@@ -2759,9 +2764,9 @@
           <a:bodyPr/>
           <a:lstStyle/>
           <a:p>
-            <a:fld id="{A8E5745A-026C-9145-AB0F-0ED0DE8C4042}" type="datetimeFigureOut">
+            <a:fld id="{03435D80-060C-8B40-928A-6DC5909561CB}" type="datetime1">
               <a:rPr lang="en-US" smtClean="0"/>
-              <a:t>3/28/23</a:t>
+              <a:t>3/30/23</a:t>
             </a:fld>
             <a:endParaRPr lang="en-US"/>
           </a:p>
@@ -2872,9 +2877,9 @@
           <a:bodyPr/>
           <a:lstStyle/>
           <a:p>
-            <a:fld id="{A8E5745A-026C-9145-AB0F-0ED0DE8C4042}" type="datetimeFigureOut">
+            <a:fld id="{0BD7B546-1938-C645-90C4-99383A30170E}" type="datetime1">
               <a:rPr lang="en-US" smtClean="0"/>
-              <a:t>3/28/23</a:t>
+              <a:t>3/30/23</a:t>
             </a:fld>
             <a:endParaRPr lang="en-US"/>
           </a:p>
@@ -3183,9 +3188,9 @@
           <a:bodyPr/>
           <a:lstStyle/>
           <a:p>
-            <a:fld id="{A8E5745A-026C-9145-AB0F-0ED0DE8C4042}" type="datetimeFigureOut">
+            <a:fld id="{4A66F25D-9514-864B-AC36-CD00DBDFDA7B}" type="datetime1">
               <a:rPr lang="en-US" smtClean="0"/>
-              <a:t>3/28/23</a:t>
+              <a:t>3/30/23</a:t>
             </a:fld>
             <a:endParaRPr lang="en-US"/>
           </a:p>
@@ -3471,9 +3476,9 @@
           <a:bodyPr/>
           <a:lstStyle/>
           <a:p>
-            <a:fld id="{A8E5745A-026C-9145-AB0F-0ED0DE8C4042}" type="datetimeFigureOut">
+            <a:fld id="{906BEC96-6781-9940-9A85-F03C0F6169ED}" type="datetime1">
               <a:rPr lang="en-US" smtClean="0"/>
-              <a:t>3/28/23</a:t>
+              <a:t>3/30/23</a:t>
             </a:fld>
             <a:endParaRPr lang="en-US"/>
           </a:p>
@@ -3712,9 +3717,9 @@
             </a:lvl1pPr>
           </a:lstStyle>
           <a:p>
-            <a:fld id="{A8E5745A-026C-9145-AB0F-0ED0DE8C4042}" type="datetimeFigureOut">
+            <a:fld id="{721DD130-3D7A-6B40-8A9F-B6EC42EB56FA}" type="datetime1">
               <a:rPr lang="en-US" smtClean="0"/>
-              <a:t>3/28/23</a:t>
+              <a:t>3/30/23</a:t>
             </a:fld>
             <a:endParaRPr lang="en-US"/>
           </a:p>
@@ -3831,6 +3836,7 @@
     <p:sldLayoutId id="2147483658" r:id="rId10"/>
     <p:sldLayoutId id="2147483659" r:id="rId11"/>
   </p:sldLayoutIdLst>
+  <p:hf hdr="0" ftr="0" dt="0"/>
   <p:txStyles>
     <p:titleStyle>
       <a:lvl1pPr algn="l" defTabSz="914400" rtl="0" eaLnBrk="1" latinLnBrk="0" hangingPunct="1">
@@ -4279,6 +4285,35 @@
           </a:p>
         </p:txBody>
       </p:sp>
+      <p:sp>
+        <p:nvSpPr>
+          <p:cNvPr id="4" name="Slide Number Placeholder 3">
+            <a:extLst>
+              <a:ext uri="{FF2B5EF4-FFF2-40B4-BE49-F238E27FC236}">
+                <a16:creationId xmlns:a16="http://schemas.microsoft.com/office/drawing/2014/main" id="{BAFD9342-A26E-5A45-A537-DD1B8099E0B3}"/>
+              </a:ext>
+            </a:extLst>
+          </p:cNvPr>
+          <p:cNvSpPr>
+            <a:spLocks noGrp="1"/>
+          </p:cNvSpPr>
+          <p:nvPr>
+            <p:ph type="sldNum" sz="quarter" idx="12"/>
+          </p:nvPr>
+        </p:nvSpPr>
+        <p:spPr/>
+        <p:txBody>
+          <a:bodyPr/>
+          <a:lstStyle/>
+          <a:p>
+            <a:fld id="{82DC65BE-F782-F146-9535-8D947AD16DC4}" type="slidenum">
+              <a:rPr lang="en-US" smtClean="0"/>
+              <a:t>10</a:t>
+            </a:fld>
+            <a:endParaRPr lang="en-US"/>
+          </a:p>
+        </p:txBody>
+      </p:sp>
     </p:spTree>
     <p:extLst>
       <p:ext uri="{BB962C8B-B14F-4D97-AF65-F5344CB8AC3E}">
@@ -4371,6 +4406,35 @@
           </a:p>
         </p:txBody>
       </p:sp>
+      <p:sp>
+        <p:nvSpPr>
+          <p:cNvPr id="4" name="Slide Number Placeholder 3">
+            <a:extLst>
+              <a:ext uri="{FF2B5EF4-FFF2-40B4-BE49-F238E27FC236}">
+                <a16:creationId xmlns:a16="http://schemas.microsoft.com/office/drawing/2014/main" id="{E1762B43-B8D0-F14E-B2B4-7F3D57352A7C}"/>
+              </a:ext>
+            </a:extLst>
+          </p:cNvPr>
+          <p:cNvSpPr>
+            <a:spLocks noGrp="1"/>
+          </p:cNvSpPr>
+          <p:nvPr>
+            <p:ph type="sldNum" sz="quarter" idx="12"/>
+          </p:nvPr>
+        </p:nvSpPr>
+        <p:spPr/>
+        <p:txBody>
+          <a:bodyPr/>
+          <a:lstStyle/>
+          <a:p>
+            <a:fld id="{82DC65BE-F782-F146-9535-8D947AD16DC4}" type="slidenum">
+              <a:rPr lang="en-US" smtClean="0"/>
+              <a:t>11</a:t>
+            </a:fld>
+            <a:endParaRPr lang="en-US"/>
+          </a:p>
+        </p:txBody>
+      </p:sp>
     </p:spTree>
     <p:extLst>
       <p:ext uri="{BB962C8B-B14F-4D97-AF65-F5344CB8AC3E}">
@@ -4463,6 +4527,35 @@
           </a:p>
         </p:txBody>
       </p:sp>
+      <p:sp>
+        <p:nvSpPr>
+          <p:cNvPr id="4" name="Slide Number Placeholder 3">
+            <a:extLst>
+              <a:ext uri="{FF2B5EF4-FFF2-40B4-BE49-F238E27FC236}">
+                <a16:creationId xmlns:a16="http://schemas.microsoft.com/office/drawing/2014/main" id="{3C4EF2AA-26D1-664F-93E7-DB96FEA3639E}"/>
+              </a:ext>
+            </a:extLst>
+          </p:cNvPr>
+          <p:cNvSpPr>
+            <a:spLocks noGrp="1"/>
+          </p:cNvSpPr>
+          <p:nvPr>
+            <p:ph type="sldNum" sz="quarter" idx="12"/>
+          </p:nvPr>
+        </p:nvSpPr>
+        <p:spPr/>
+        <p:txBody>
+          <a:bodyPr/>
+          <a:lstStyle/>
+          <a:p>
+            <a:fld id="{82DC65BE-F782-F146-9535-8D947AD16DC4}" type="slidenum">
+              <a:rPr lang="en-US" smtClean="0"/>
+              <a:t>12</a:t>
+            </a:fld>
+            <a:endParaRPr lang="en-US"/>
+          </a:p>
+        </p:txBody>
+      </p:sp>
     </p:spTree>
     <p:extLst>
       <p:ext uri="{BB962C8B-B14F-4D97-AF65-F5344CB8AC3E}">
@@ -4555,6 +4648,35 @@
           </a:p>
         </p:txBody>
       </p:sp>
+      <p:sp>
+        <p:nvSpPr>
+          <p:cNvPr id="4" name="Slide Number Placeholder 3">
+            <a:extLst>
+              <a:ext uri="{FF2B5EF4-FFF2-40B4-BE49-F238E27FC236}">
+                <a16:creationId xmlns:a16="http://schemas.microsoft.com/office/drawing/2014/main" id="{AC05390F-2304-2B46-8CCB-582F2F25C002}"/>
+              </a:ext>
+            </a:extLst>
+          </p:cNvPr>
+          <p:cNvSpPr>
+            <a:spLocks noGrp="1"/>
+          </p:cNvSpPr>
+          <p:nvPr>
+            <p:ph type="sldNum" sz="quarter" idx="12"/>
+          </p:nvPr>
+        </p:nvSpPr>
+        <p:spPr/>
+        <p:txBody>
+          <a:bodyPr/>
+          <a:lstStyle/>
+          <a:p>
+            <a:fld id="{82DC65BE-F782-F146-9535-8D947AD16DC4}" type="slidenum">
+              <a:rPr lang="en-US" smtClean="0"/>
+              <a:t>13</a:t>
+            </a:fld>
+            <a:endParaRPr lang="en-US"/>
+          </a:p>
+        </p:txBody>
+      </p:sp>
     </p:spTree>
     <p:extLst>
       <p:ext uri="{BB962C8B-B14F-4D97-AF65-F5344CB8AC3E}">
@@ -4647,6 +4769,35 @@
           </a:p>
         </p:txBody>
       </p:sp>
+      <p:sp>
+        <p:nvSpPr>
+          <p:cNvPr id="4" name="Slide Number Placeholder 3">
+            <a:extLst>
+              <a:ext uri="{FF2B5EF4-FFF2-40B4-BE49-F238E27FC236}">
+                <a16:creationId xmlns:a16="http://schemas.microsoft.com/office/drawing/2014/main" id="{93D2F7D4-B554-B344-9DB9-2F819E90A76F}"/>
+              </a:ext>
+            </a:extLst>
+          </p:cNvPr>
+          <p:cNvSpPr>
+            <a:spLocks noGrp="1"/>
+          </p:cNvSpPr>
+          <p:nvPr>
+            <p:ph type="sldNum" sz="quarter" idx="12"/>
+          </p:nvPr>
+        </p:nvSpPr>
+        <p:spPr/>
+        <p:txBody>
+          <a:bodyPr/>
+          <a:lstStyle/>
+          <a:p>
+            <a:fld id="{82DC65BE-F782-F146-9535-8D947AD16DC4}" type="slidenum">
+              <a:rPr lang="en-US" smtClean="0"/>
+              <a:t>14</a:t>
+            </a:fld>
+            <a:endParaRPr lang="en-US"/>
+          </a:p>
+        </p:txBody>
+      </p:sp>
     </p:spTree>
     <p:extLst>
       <p:ext uri="{BB962C8B-B14F-4D97-AF65-F5344CB8AC3E}">
@@ -4753,6 +4904,35 @@
           </a:p>
         </p:txBody>
       </p:sp>
+      <p:sp>
+        <p:nvSpPr>
+          <p:cNvPr id="4" name="Slide Number Placeholder 3">
+            <a:extLst>
+              <a:ext uri="{FF2B5EF4-FFF2-40B4-BE49-F238E27FC236}">
+                <a16:creationId xmlns:a16="http://schemas.microsoft.com/office/drawing/2014/main" id="{F93159CA-A649-B847-B7BB-482EF165B5A9}"/>
+              </a:ext>
+            </a:extLst>
+          </p:cNvPr>
+          <p:cNvSpPr>
+            <a:spLocks noGrp="1"/>
+          </p:cNvSpPr>
+          <p:nvPr>
+            <p:ph type="sldNum" sz="quarter" idx="12"/>
+          </p:nvPr>
+        </p:nvSpPr>
+        <p:spPr/>
+        <p:txBody>
+          <a:bodyPr/>
+          <a:lstStyle/>
+          <a:p>
+            <a:fld id="{82DC65BE-F782-F146-9535-8D947AD16DC4}" type="slidenum">
+              <a:rPr lang="en-US" smtClean="0"/>
+              <a:t>2</a:t>
+            </a:fld>
+            <a:endParaRPr lang="en-US"/>
+          </a:p>
+        </p:txBody>
+      </p:sp>
     </p:spTree>
     <p:extLst>
       <p:ext uri="{BB962C8B-B14F-4D97-AF65-F5344CB8AC3E}">
@@ -4884,6 +5064,35 @@
           </a:p>
         </p:txBody>
       </p:sp>
+      <p:sp>
+        <p:nvSpPr>
+          <p:cNvPr id="4" name="Slide Number Placeholder 3">
+            <a:extLst>
+              <a:ext uri="{FF2B5EF4-FFF2-40B4-BE49-F238E27FC236}">
+                <a16:creationId xmlns:a16="http://schemas.microsoft.com/office/drawing/2014/main" id="{2F47AAB9-16E6-3246-B461-8F46E41C7B5E}"/>
+              </a:ext>
+            </a:extLst>
+          </p:cNvPr>
+          <p:cNvSpPr>
+            <a:spLocks noGrp="1"/>
+          </p:cNvSpPr>
+          <p:nvPr>
+            <p:ph type="sldNum" sz="quarter" idx="12"/>
+          </p:nvPr>
+        </p:nvSpPr>
+        <p:spPr/>
+        <p:txBody>
+          <a:bodyPr/>
+          <a:lstStyle/>
+          <a:p>
+            <a:fld id="{82DC65BE-F782-F146-9535-8D947AD16DC4}" type="slidenum">
+              <a:rPr lang="en-US" smtClean="0"/>
+              <a:t>3</a:t>
+            </a:fld>
+            <a:endParaRPr lang="en-US"/>
+          </a:p>
+        </p:txBody>
+      </p:sp>
     </p:spTree>
     <p:extLst>
       <p:ext uri="{BB962C8B-B14F-4D97-AF65-F5344CB8AC3E}">
@@ -5015,6 +5224,35 @@
           </a:p>
         </p:txBody>
       </p:sp>
+      <p:sp>
+        <p:nvSpPr>
+          <p:cNvPr id="4" name="Slide Number Placeholder 3">
+            <a:extLst>
+              <a:ext uri="{FF2B5EF4-FFF2-40B4-BE49-F238E27FC236}">
+                <a16:creationId xmlns:a16="http://schemas.microsoft.com/office/drawing/2014/main" id="{B1B82DCA-D515-8E41-B569-00738EC94DC2}"/>
+              </a:ext>
+            </a:extLst>
+          </p:cNvPr>
+          <p:cNvSpPr>
+            <a:spLocks noGrp="1"/>
+          </p:cNvSpPr>
+          <p:nvPr>
+            <p:ph type="sldNum" sz="quarter" idx="12"/>
+          </p:nvPr>
+        </p:nvSpPr>
+        <p:spPr/>
+        <p:txBody>
+          <a:bodyPr/>
+          <a:lstStyle/>
+          <a:p>
+            <a:fld id="{82DC65BE-F782-F146-9535-8D947AD16DC4}" type="slidenum">
+              <a:rPr lang="en-US" smtClean="0"/>
+              <a:t>4</a:t>
+            </a:fld>
+            <a:endParaRPr lang="en-US"/>
+          </a:p>
+        </p:txBody>
+      </p:sp>
     </p:spTree>
     <p:extLst>
       <p:ext uri="{BB962C8B-B14F-4D97-AF65-F5344CB8AC3E}">
@@ -5140,6 +5378,35 @@
           </a:p>
         </p:txBody>
       </p:sp>
+      <p:sp>
+        <p:nvSpPr>
+          <p:cNvPr id="4" name="Slide Number Placeholder 3">
+            <a:extLst>
+              <a:ext uri="{FF2B5EF4-FFF2-40B4-BE49-F238E27FC236}">
+                <a16:creationId xmlns:a16="http://schemas.microsoft.com/office/drawing/2014/main" id="{AF485F32-47F5-134B-9274-BA151B6094BD}"/>
+              </a:ext>
+            </a:extLst>
+          </p:cNvPr>
+          <p:cNvSpPr>
+            <a:spLocks noGrp="1"/>
+          </p:cNvSpPr>
+          <p:nvPr>
+            <p:ph type="sldNum" sz="quarter" idx="12"/>
+          </p:nvPr>
+        </p:nvSpPr>
+        <p:spPr/>
+        <p:txBody>
+          <a:bodyPr/>
+          <a:lstStyle/>
+          <a:p>
+            <a:fld id="{82DC65BE-F782-F146-9535-8D947AD16DC4}" type="slidenum">
+              <a:rPr lang="en-US" smtClean="0"/>
+              <a:t>5</a:t>
+            </a:fld>
+            <a:endParaRPr lang="en-US"/>
+          </a:p>
+        </p:txBody>
+      </p:sp>
     </p:spTree>
     <p:extLst>
       <p:ext uri="{BB962C8B-B14F-4D97-AF65-F5344CB8AC3E}">
@@ -5285,6 +5552,35 @@
           </a:p>
         </p:txBody>
       </p:sp>
+      <p:sp>
+        <p:nvSpPr>
+          <p:cNvPr id="4" name="Slide Number Placeholder 3">
+            <a:extLst>
+              <a:ext uri="{FF2B5EF4-FFF2-40B4-BE49-F238E27FC236}">
+                <a16:creationId xmlns:a16="http://schemas.microsoft.com/office/drawing/2014/main" id="{72586585-A4EE-3242-AF64-3FF2F2EA25A9}"/>
+              </a:ext>
+            </a:extLst>
+          </p:cNvPr>
+          <p:cNvSpPr>
+            <a:spLocks noGrp="1"/>
+          </p:cNvSpPr>
+          <p:nvPr>
+            <p:ph type="sldNum" sz="quarter" idx="12"/>
+          </p:nvPr>
+        </p:nvSpPr>
+        <p:spPr/>
+        <p:txBody>
+          <a:bodyPr/>
+          <a:lstStyle/>
+          <a:p>
+            <a:fld id="{82DC65BE-F782-F146-9535-8D947AD16DC4}" type="slidenum">
+              <a:rPr lang="en-US" smtClean="0"/>
+              <a:t>6</a:t>
+            </a:fld>
+            <a:endParaRPr lang="en-US"/>
+          </a:p>
+        </p:txBody>
+      </p:sp>
     </p:spTree>
     <p:extLst>
       <p:ext uri="{BB962C8B-B14F-4D97-AF65-F5344CB8AC3E}">
@@ -5373,6 +5669,35 @@
           </a:prstGeom>
         </p:spPr>
       </p:pic>
+      <p:sp>
+        <p:nvSpPr>
+          <p:cNvPr id="3" name="Slide Number Placeholder 2">
+            <a:extLst>
+              <a:ext uri="{FF2B5EF4-FFF2-40B4-BE49-F238E27FC236}">
+                <a16:creationId xmlns:a16="http://schemas.microsoft.com/office/drawing/2014/main" id="{4C37B316-BA73-2646-A1A6-09134ECCF86D}"/>
+              </a:ext>
+            </a:extLst>
+          </p:cNvPr>
+          <p:cNvSpPr>
+            <a:spLocks noGrp="1"/>
+          </p:cNvSpPr>
+          <p:nvPr>
+            <p:ph type="sldNum" sz="quarter" idx="12"/>
+          </p:nvPr>
+        </p:nvSpPr>
+        <p:spPr/>
+        <p:txBody>
+          <a:bodyPr/>
+          <a:lstStyle/>
+          <a:p>
+            <a:fld id="{82DC65BE-F782-F146-9535-8D947AD16DC4}" type="slidenum">
+              <a:rPr lang="en-US" smtClean="0"/>
+              <a:t>7</a:t>
+            </a:fld>
+            <a:endParaRPr lang="en-US"/>
+          </a:p>
+        </p:txBody>
+      </p:sp>
     </p:spTree>
     <p:extLst>
       <p:ext uri="{BB962C8B-B14F-4D97-AF65-F5344CB8AC3E}">
@@ -5465,6 +5790,35 @@
           </a:p>
         </p:txBody>
       </p:sp>
+      <p:sp>
+        <p:nvSpPr>
+          <p:cNvPr id="4" name="Slide Number Placeholder 3">
+            <a:extLst>
+              <a:ext uri="{FF2B5EF4-FFF2-40B4-BE49-F238E27FC236}">
+                <a16:creationId xmlns:a16="http://schemas.microsoft.com/office/drawing/2014/main" id="{1C6DA2F0-E09A-E44E-A0B5-2A7D7CB5557A}"/>
+              </a:ext>
+            </a:extLst>
+          </p:cNvPr>
+          <p:cNvSpPr>
+            <a:spLocks noGrp="1"/>
+          </p:cNvSpPr>
+          <p:nvPr>
+            <p:ph type="sldNum" sz="quarter" idx="12"/>
+          </p:nvPr>
+        </p:nvSpPr>
+        <p:spPr/>
+        <p:txBody>
+          <a:bodyPr/>
+          <a:lstStyle/>
+          <a:p>
+            <a:fld id="{82DC65BE-F782-F146-9535-8D947AD16DC4}" type="slidenum">
+              <a:rPr lang="en-US" smtClean="0"/>
+              <a:t>8</a:t>
+            </a:fld>
+            <a:endParaRPr lang="en-US"/>
+          </a:p>
+        </p:txBody>
+      </p:sp>
     </p:spTree>
     <p:extLst>
       <p:ext uri="{BB962C8B-B14F-4D97-AF65-F5344CB8AC3E}">
@@ -5554,6 +5908,35 @@
               <a:rPr lang="en-US" dirty="0"/>
               <a:t>Specific Algorithms and why they were chosen</a:t>
             </a:r>
+          </a:p>
+        </p:txBody>
+      </p:sp>
+      <p:sp>
+        <p:nvSpPr>
+          <p:cNvPr id="4" name="Slide Number Placeholder 3">
+            <a:extLst>
+              <a:ext uri="{FF2B5EF4-FFF2-40B4-BE49-F238E27FC236}">
+                <a16:creationId xmlns:a16="http://schemas.microsoft.com/office/drawing/2014/main" id="{EF2F5A40-92A7-BC4A-9400-F2053B6DAD43}"/>
+              </a:ext>
+            </a:extLst>
+          </p:cNvPr>
+          <p:cNvSpPr>
+            <a:spLocks noGrp="1"/>
+          </p:cNvSpPr>
+          <p:nvPr>
+            <p:ph type="sldNum" sz="quarter" idx="12"/>
+          </p:nvPr>
+        </p:nvSpPr>
+        <p:spPr/>
+        <p:txBody>
+          <a:bodyPr/>
+          <a:lstStyle/>
+          <a:p>
+            <a:fld id="{82DC65BE-F782-F146-9535-8D947AD16DC4}" type="slidenum">
+              <a:rPr lang="en-US" smtClean="0"/>
+              <a:t>9</a:t>
+            </a:fld>
+            <a:endParaRPr lang="en-US"/>
           </a:p>
         </p:txBody>
       </p:sp>
